--- a/JFM/figs/displace.pptx
+++ b/JFM/figs/displace.pptx
@@ -2,12 +2,13 @@
 <file path=ppt/presentation.xml><?xml version="1.0" encoding="utf-8"?>
 <p:presentation xmlns:a="http://schemas.openxmlformats.org/drawingml/2006/main" xmlns:r="http://schemas.openxmlformats.org/officeDocument/2006/relationships" xmlns:p="http://schemas.openxmlformats.org/presentationml/2006/main" saveSubsetFonts="1">
   <p:sldMasterIdLst>
-    <p:sldMasterId id="2147483720" r:id="rId1"/>
+    <p:sldMasterId id="2147483744" r:id="rId1"/>
   </p:sldMasterIdLst>
   <p:sldIdLst>
     <p:sldId id="256" r:id="rId2"/>
+    <p:sldId id="257" r:id="rId3"/>
   </p:sldIdLst>
-  <p:sldSz cx="6400800" cy="3657600"/>
+  <p:sldSz cx="6400800" cy="2011363"/>
   <p:notesSz cx="6858000" cy="9144000"/>
   <p:defaultTextStyle>
     <a:defPPr>
@@ -141,15 +142,15 @@
         </p:nvSpPr>
         <p:spPr>
           <a:xfrm>
-            <a:off x="800100" y="598593"/>
-            <a:ext cx="4800600" cy="1273387"/>
+            <a:off x="800100" y="329175"/>
+            <a:ext cx="4800600" cy="700252"/>
           </a:xfrm>
         </p:spPr>
         <p:txBody>
           <a:bodyPr anchor="b"/>
           <a:lstStyle>
             <a:lvl1pPr algn="ctr">
-              <a:defRPr sz="3150"/>
+              <a:defRPr sz="1760"/>
             </a:lvl1pPr>
           </a:lstStyle>
           <a:p>
@@ -173,8 +174,8 @@
         </p:nvSpPr>
         <p:spPr>
           <a:xfrm>
-            <a:off x="800100" y="1921087"/>
-            <a:ext cx="4800600" cy="883073"/>
+            <a:off x="800100" y="1056431"/>
+            <a:ext cx="4800600" cy="485614"/>
           </a:xfrm>
         </p:spPr>
         <p:txBody>
@@ -182,39 +183,39 @@
           <a:lstStyle>
             <a:lvl1pPr marL="0" indent="0" algn="ctr">
               <a:buNone/>
-              <a:defRPr sz="1260"/>
+              <a:defRPr sz="704"/>
             </a:lvl1pPr>
-            <a:lvl2pPr marL="240030" indent="0" algn="ctr">
-              <a:buNone/>
-              <a:defRPr sz="1050"/>
+            <a:lvl2pPr marL="134097" indent="0" algn="ctr">
+              <a:buNone/>
+              <a:defRPr sz="587"/>
             </a:lvl2pPr>
-            <a:lvl3pPr marL="480060" indent="0" algn="ctr">
-              <a:buNone/>
-              <a:defRPr sz="945"/>
+            <a:lvl3pPr marL="268194" indent="0" algn="ctr">
+              <a:buNone/>
+              <a:defRPr sz="528"/>
             </a:lvl3pPr>
-            <a:lvl4pPr marL="720090" indent="0" algn="ctr">
-              <a:buNone/>
-              <a:defRPr sz="840"/>
+            <a:lvl4pPr marL="402290" indent="0" algn="ctr">
+              <a:buNone/>
+              <a:defRPr sz="469"/>
             </a:lvl4pPr>
-            <a:lvl5pPr marL="960120" indent="0" algn="ctr">
-              <a:buNone/>
-              <a:defRPr sz="840"/>
+            <a:lvl5pPr marL="536387" indent="0" algn="ctr">
+              <a:buNone/>
+              <a:defRPr sz="469"/>
             </a:lvl5pPr>
-            <a:lvl6pPr marL="1200150" indent="0" algn="ctr">
-              <a:buNone/>
-              <a:defRPr sz="840"/>
+            <a:lvl6pPr marL="670484" indent="0" algn="ctr">
+              <a:buNone/>
+              <a:defRPr sz="469"/>
             </a:lvl6pPr>
-            <a:lvl7pPr marL="1440180" indent="0" algn="ctr">
-              <a:buNone/>
-              <a:defRPr sz="840"/>
+            <a:lvl7pPr marL="804581" indent="0" algn="ctr">
+              <a:buNone/>
+              <a:defRPr sz="469"/>
             </a:lvl7pPr>
-            <a:lvl8pPr marL="1680210" indent="0" algn="ctr">
-              <a:buNone/>
-              <a:defRPr sz="840"/>
+            <a:lvl8pPr marL="938677" indent="0" algn="ctr">
+              <a:buNone/>
+              <a:defRPr sz="469"/>
             </a:lvl8pPr>
-            <a:lvl9pPr marL="1920240" indent="0" algn="ctr">
-              <a:buNone/>
-              <a:defRPr sz="840"/>
+            <a:lvl9pPr marL="1072774" indent="0" algn="ctr">
+              <a:buNone/>
+              <a:defRPr sz="469"/>
             </a:lvl9pPr>
           </a:lstStyle>
           <a:p>
@@ -243,7 +244,7 @@
           <a:p>
             <a:fld id="{752C0650-E0BA-4E3B-8377-4B12102A54B3}" type="datetimeFigureOut">
               <a:rPr lang="en-US" smtClean="0"/>
-              <a:t>12/10/2021</a:t>
+              <a:t>12/20/2021</a:t>
             </a:fld>
             <a:endParaRPr lang="en-US"/>
           </a:p>
@@ -294,7 +295,7 @@
     </p:spTree>
     <p:extLst>
       <p:ext uri="{BB962C8B-B14F-4D97-AF65-F5344CB8AC3E}">
-        <p14:creationId xmlns:p14="http://schemas.microsoft.com/office/powerpoint/2010/main" val="1290319691"/>
+        <p14:creationId xmlns:p14="http://schemas.microsoft.com/office/powerpoint/2010/main" val="4060156198"/>
       </p:ext>
     </p:extLst>
   </p:cSld>
@@ -413,7 +414,7 @@
           <a:p>
             <a:fld id="{752C0650-E0BA-4E3B-8377-4B12102A54B3}" type="datetimeFigureOut">
               <a:rPr lang="en-US" smtClean="0"/>
-              <a:t>12/10/2021</a:t>
+              <a:t>12/20/2021</a:t>
             </a:fld>
             <a:endParaRPr lang="en-US"/>
           </a:p>
@@ -464,7 +465,7 @@
     </p:spTree>
     <p:extLst>
       <p:ext uri="{BB962C8B-B14F-4D97-AF65-F5344CB8AC3E}">
-        <p14:creationId xmlns:p14="http://schemas.microsoft.com/office/powerpoint/2010/main" val="1715309738"/>
+        <p14:creationId xmlns:p14="http://schemas.microsoft.com/office/powerpoint/2010/main" val="203860809"/>
       </p:ext>
     </p:extLst>
   </p:cSld>
@@ -503,8 +504,8 @@
         </p:nvSpPr>
         <p:spPr>
           <a:xfrm>
-            <a:off x="4580572" y="194733"/>
-            <a:ext cx="1380173" cy="3099647"/>
+            <a:off x="4580572" y="107087"/>
+            <a:ext cx="1380173" cy="1704537"/>
           </a:xfrm>
         </p:spPr>
         <p:txBody>
@@ -531,8 +532,8 @@
         </p:nvSpPr>
         <p:spPr>
           <a:xfrm>
-            <a:off x="440055" y="194733"/>
-            <a:ext cx="4060508" cy="3099647"/>
+            <a:off x="440055" y="107087"/>
+            <a:ext cx="4060508" cy="1704537"/>
           </a:xfrm>
         </p:spPr>
         <p:txBody>
@@ -593,7 +594,7 @@
           <a:p>
             <a:fld id="{752C0650-E0BA-4E3B-8377-4B12102A54B3}" type="datetimeFigureOut">
               <a:rPr lang="en-US" smtClean="0"/>
-              <a:t>12/10/2021</a:t>
+              <a:t>12/20/2021</a:t>
             </a:fld>
             <a:endParaRPr lang="en-US"/>
           </a:p>
@@ -644,7 +645,7 @@
     </p:spTree>
     <p:extLst>
       <p:ext uri="{BB962C8B-B14F-4D97-AF65-F5344CB8AC3E}">
-        <p14:creationId xmlns:p14="http://schemas.microsoft.com/office/powerpoint/2010/main" val="520162329"/>
+        <p14:creationId xmlns:p14="http://schemas.microsoft.com/office/powerpoint/2010/main" val="1619543052"/>
       </p:ext>
     </p:extLst>
   </p:cSld>
@@ -763,7 +764,7 @@
           <a:p>
             <a:fld id="{752C0650-E0BA-4E3B-8377-4B12102A54B3}" type="datetimeFigureOut">
               <a:rPr lang="en-US" smtClean="0"/>
-              <a:t>12/10/2021</a:t>
+              <a:t>12/20/2021</a:t>
             </a:fld>
             <a:endParaRPr lang="en-US"/>
           </a:p>
@@ -814,7 +815,7 @@
     </p:spTree>
     <p:extLst>
       <p:ext uri="{BB962C8B-B14F-4D97-AF65-F5344CB8AC3E}">
-        <p14:creationId xmlns:p14="http://schemas.microsoft.com/office/powerpoint/2010/main" val="387156416"/>
+        <p14:creationId xmlns:p14="http://schemas.microsoft.com/office/powerpoint/2010/main" val="1707921321"/>
       </p:ext>
     </p:extLst>
   </p:cSld>
@@ -853,15 +854,15 @@
         </p:nvSpPr>
         <p:spPr>
           <a:xfrm>
-            <a:off x="436721" y="911860"/>
-            <a:ext cx="5520690" cy="1521460"/>
+            <a:off x="436721" y="501444"/>
+            <a:ext cx="5520690" cy="836671"/>
           </a:xfrm>
         </p:spPr>
         <p:txBody>
           <a:bodyPr anchor="b"/>
           <a:lstStyle>
             <a:lvl1pPr>
-              <a:defRPr sz="3150"/>
+              <a:defRPr sz="1760"/>
             </a:lvl1pPr>
           </a:lstStyle>
           <a:p>
@@ -885,8 +886,8 @@
         </p:nvSpPr>
         <p:spPr>
           <a:xfrm>
-            <a:off x="436721" y="2447714"/>
-            <a:ext cx="5520690" cy="800100"/>
+            <a:off x="436721" y="1346030"/>
+            <a:ext cx="5520690" cy="439986"/>
           </a:xfrm>
         </p:spPr>
         <p:txBody>
@@ -894,7 +895,7 @@
           <a:lstStyle>
             <a:lvl1pPr marL="0" indent="0">
               <a:buNone/>
-              <a:defRPr sz="1260">
+              <a:defRPr sz="704">
                 <a:solidFill>
                   <a:schemeClr val="tx1">
                     <a:tint val="75000"/>
@@ -902,9 +903,9 @@
                 </a:solidFill>
               </a:defRPr>
             </a:lvl1pPr>
-            <a:lvl2pPr marL="240030" indent="0">
-              <a:buNone/>
-              <a:defRPr sz="1050">
+            <a:lvl2pPr marL="134097" indent="0">
+              <a:buNone/>
+              <a:defRPr sz="587">
                 <a:solidFill>
                   <a:schemeClr val="tx1">
                     <a:tint val="75000"/>
@@ -912,9 +913,9 @@
                 </a:solidFill>
               </a:defRPr>
             </a:lvl2pPr>
-            <a:lvl3pPr marL="480060" indent="0">
-              <a:buNone/>
-              <a:defRPr sz="945">
+            <a:lvl3pPr marL="268194" indent="0">
+              <a:buNone/>
+              <a:defRPr sz="528">
                 <a:solidFill>
                   <a:schemeClr val="tx1">
                     <a:tint val="75000"/>
@@ -922,9 +923,9 @@
                 </a:solidFill>
               </a:defRPr>
             </a:lvl3pPr>
-            <a:lvl4pPr marL="720090" indent="0">
-              <a:buNone/>
-              <a:defRPr sz="840">
+            <a:lvl4pPr marL="402290" indent="0">
+              <a:buNone/>
+              <a:defRPr sz="469">
                 <a:solidFill>
                   <a:schemeClr val="tx1">
                     <a:tint val="75000"/>
@@ -932,9 +933,9 @@
                 </a:solidFill>
               </a:defRPr>
             </a:lvl4pPr>
-            <a:lvl5pPr marL="960120" indent="0">
-              <a:buNone/>
-              <a:defRPr sz="840">
+            <a:lvl5pPr marL="536387" indent="0">
+              <a:buNone/>
+              <a:defRPr sz="469">
                 <a:solidFill>
                   <a:schemeClr val="tx1">
                     <a:tint val="75000"/>
@@ -942,9 +943,9 @@
                 </a:solidFill>
               </a:defRPr>
             </a:lvl5pPr>
-            <a:lvl6pPr marL="1200150" indent="0">
-              <a:buNone/>
-              <a:defRPr sz="840">
+            <a:lvl6pPr marL="670484" indent="0">
+              <a:buNone/>
+              <a:defRPr sz="469">
                 <a:solidFill>
                   <a:schemeClr val="tx1">
                     <a:tint val="75000"/>
@@ -952,9 +953,9 @@
                 </a:solidFill>
               </a:defRPr>
             </a:lvl6pPr>
-            <a:lvl7pPr marL="1440180" indent="0">
-              <a:buNone/>
-              <a:defRPr sz="840">
+            <a:lvl7pPr marL="804581" indent="0">
+              <a:buNone/>
+              <a:defRPr sz="469">
                 <a:solidFill>
                   <a:schemeClr val="tx1">
                     <a:tint val="75000"/>
@@ -962,9 +963,9 @@
                 </a:solidFill>
               </a:defRPr>
             </a:lvl7pPr>
-            <a:lvl8pPr marL="1680210" indent="0">
-              <a:buNone/>
-              <a:defRPr sz="840">
+            <a:lvl8pPr marL="938677" indent="0">
+              <a:buNone/>
+              <a:defRPr sz="469">
                 <a:solidFill>
                   <a:schemeClr val="tx1">
                     <a:tint val="75000"/>
@@ -972,9 +973,9 @@
                 </a:solidFill>
               </a:defRPr>
             </a:lvl8pPr>
-            <a:lvl9pPr marL="1920240" indent="0">
-              <a:buNone/>
-              <a:defRPr sz="840">
+            <a:lvl9pPr marL="1072774" indent="0">
+              <a:buNone/>
+              <a:defRPr sz="469">
                 <a:solidFill>
                   <a:schemeClr val="tx1">
                     <a:tint val="75000"/>
@@ -1009,7 +1010,7 @@
           <a:p>
             <a:fld id="{752C0650-E0BA-4E3B-8377-4B12102A54B3}" type="datetimeFigureOut">
               <a:rPr lang="en-US" smtClean="0"/>
-              <a:t>12/10/2021</a:t>
+              <a:t>12/20/2021</a:t>
             </a:fld>
             <a:endParaRPr lang="en-US"/>
           </a:p>
@@ -1060,7 +1061,7 @@
     </p:spTree>
     <p:extLst>
       <p:ext uri="{BB962C8B-B14F-4D97-AF65-F5344CB8AC3E}">
-        <p14:creationId xmlns:p14="http://schemas.microsoft.com/office/powerpoint/2010/main" val="259905441"/>
+        <p14:creationId xmlns:p14="http://schemas.microsoft.com/office/powerpoint/2010/main" val="3486398035"/>
       </p:ext>
     </p:extLst>
   </p:cSld>
@@ -1122,8 +1123,8 @@
         </p:nvSpPr>
         <p:spPr>
           <a:xfrm>
-            <a:off x="440055" y="973666"/>
-            <a:ext cx="2720340" cy="2320714"/>
+            <a:off x="440055" y="535432"/>
+            <a:ext cx="2720340" cy="1276191"/>
           </a:xfrm>
         </p:spPr>
         <p:txBody>
@@ -1179,8 +1180,8 @@
         </p:nvSpPr>
         <p:spPr>
           <a:xfrm>
-            <a:off x="3240405" y="973666"/>
-            <a:ext cx="2720340" cy="2320714"/>
+            <a:off x="3240405" y="535432"/>
+            <a:ext cx="2720340" cy="1276191"/>
           </a:xfrm>
         </p:spPr>
         <p:txBody>
@@ -1241,7 +1242,7 @@
           <a:p>
             <a:fld id="{752C0650-E0BA-4E3B-8377-4B12102A54B3}" type="datetimeFigureOut">
               <a:rPr lang="en-US" smtClean="0"/>
-              <a:t>12/10/2021</a:t>
+              <a:t>12/20/2021</a:t>
             </a:fld>
             <a:endParaRPr lang="en-US"/>
           </a:p>
@@ -1292,7 +1293,7 @@
     </p:spTree>
     <p:extLst>
       <p:ext uri="{BB962C8B-B14F-4D97-AF65-F5344CB8AC3E}">
-        <p14:creationId xmlns:p14="http://schemas.microsoft.com/office/powerpoint/2010/main" val="1520287883"/>
+        <p14:creationId xmlns:p14="http://schemas.microsoft.com/office/powerpoint/2010/main" val="2934822218"/>
       </p:ext>
     </p:extLst>
   </p:cSld>
@@ -1331,8 +1332,8 @@
         </p:nvSpPr>
         <p:spPr>
           <a:xfrm>
-            <a:off x="440889" y="194734"/>
-            <a:ext cx="5520690" cy="706967"/>
+            <a:off x="440889" y="107086"/>
+            <a:ext cx="5520690" cy="388771"/>
           </a:xfrm>
         </p:spPr>
         <p:txBody>
@@ -1359,8 +1360,8 @@
         </p:nvSpPr>
         <p:spPr>
           <a:xfrm>
-            <a:off x="440889" y="896620"/>
-            <a:ext cx="2707838" cy="439420"/>
+            <a:off x="440889" y="493063"/>
+            <a:ext cx="2707838" cy="241643"/>
           </a:xfrm>
         </p:spPr>
         <p:txBody>
@@ -1368,39 +1369,39 @@
           <a:lstStyle>
             <a:lvl1pPr marL="0" indent="0">
               <a:buNone/>
-              <a:defRPr sz="1260" b="1"/>
+              <a:defRPr sz="704" b="1"/>
             </a:lvl1pPr>
-            <a:lvl2pPr marL="240030" indent="0">
-              <a:buNone/>
-              <a:defRPr sz="1050" b="1"/>
+            <a:lvl2pPr marL="134097" indent="0">
+              <a:buNone/>
+              <a:defRPr sz="587" b="1"/>
             </a:lvl2pPr>
-            <a:lvl3pPr marL="480060" indent="0">
-              <a:buNone/>
-              <a:defRPr sz="945" b="1"/>
+            <a:lvl3pPr marL="268194" indent="0">
+              <a:buNone/>
+              <a:defRPr sz="528" b="1"/>
             </a:lvl3pPr>
-            <a:lvl4pPr marL="720090" indent="0">
-              <a:buNone/>
-              <a:defRPr sz="840" b="1"/>
+            <a:lvl4pPr marL="402290" indent="0">
+              <a:buNone/>
+              <a:defRPr sz="469" b="1"/>
             </a:lvl4pPr>
-            <a:lvl5pPr marL="960120" indent="0">
-              <a:buNone/>
-              <a:defRPr sz="840" b="1"/>
+            <a:lvl5pPr marL="536387" indent="0">
+              <a:buNone/>
+              <a:defRPr sz="469" b="1"/>
             </a:lvl5pPr>
-            <a:lvl6pPr marL="1200150" indent="0">
-              <a:buNone/>
-              <a:defRPr sz="840" b="1"/>
+            <a:lvl6pPr marL="670484" indent="0">
+              <a:buNone/>
+              <a:defRPr sz="469" b="1"/>
             </a:lvl6pPr>
-            <a:lvl7pPr marL="1440180" indent="0">
-              <a:buNone/>
-              <a:defRPr sz="840" b="1"/>
+            <a:lvl7pPr marL="804581" indent="0">
+              <a:buNone/>
+              <a:defRPr sz="469" b="1"/>
             </a:lvl7pPr>
-            <a:lvl8pPr marL="1680210" indent="0">
-              <a:buNone/>
-              <a:defRPr sz="840" b="1"/>
+            <a:lvl8pPr marL="938677" indent="0">
+              <a:buNone/>
+              <a:defRPr sz="469" b="1"/>
             </a:lvl8pPr>
-            <a:lvl9pPr marL="1920240" indent="0">
-              <a:buNone/>
-              <a:defRPr sz="840" b="1"/>
+            <a:lvl9pPr marL="1072774" indent="0">
+              <a:buNone/>
+              <a:defRPr sz="469" b="1"/>
             </a:lvl9pPr>
           </a:lstStyle>
           <a:p>
@@ -1424,8 +1425,8 @@
         </p:nvSpPr>
         <p:spPr>
           <a:xfrm>
-            <a:off x="440889" y="1336040"/>
-            <a:ext cx="2707838" cy="1965114"/>
+            <a:off x="440889" y="734706"/>
+            <a:ext cx="2707838" cy="1080642"/>
           </a:xfrm>
         </p:spPr>
         <p:txBody>
@@ -1481,8 +1482,8 @@
         </p:nvSpPr>
         <p:spPr>
           <a:xfrm>
-            <a:off x="3240405" y="896620"/>
-            <a:ext cx="2721174" cy="439420"/>
+            <a:off x="3240405" y="493063"/>
+            <a:ext cx="2721174" cy="241643"/>
           </a:xfrm>
         </p:spPr>
         <p:txBody>
@@ -1490,39 +1491,39 @@
           <a:lstStyle>
             <a:lvl1pPr marL="0" indent="0">
               <a:buNone/>
-              <a:defRPr sz="1260" b="1"/>
+              <a:defRPr sz="704" b="1"/>
             </a:lvl1pPr>
-            <a:lvl2pPr marL="240030" indent="0">
-              <a:buNone/>
-              <a:defRPr sz="1050" b="1"/>
+            <a:lvl2pPr marL="134097" indent="0">
+              <a:buNone/>
+              <a:defRPr sz="587" b="1"/>
             </a:lvl2pPr>
-            <a:lvl3pPr marL="480060" indent="0">
-              <a:buNone/>
-              <a:defRPr sz="945" b="1"/>
+            <a:lvl3pPr marL="268194" indent="0">
+              <a:buNone/>
+              <a:defRPr sz="528" b="1"/>
             </a:lvl3pPr>
-            <a:lvl4pPr marL="720090" indent="0">
-              <a:buNone/>
-              <a:defRPr sz="840" b="1"/>
+            <a:lvl4pPr marL="402290" indent="0">
+              <a:buNone/>
+              <a:defRPr sz="469" b="1"/>
             </a:lvl4pPr>
-            <a:lvl5pPr marL="960120" indent="0">
-              <a:buNone/>
-              <a:defRPr sz="840" b="1"/>
+            <a:lvl5pPr marL="536387" indent="0">
+              <a:buNone/>
+              <a:defRPr sz="469" b="1"/>
             </a:lvl5pPr>
-            <a:lvl6pPr marL="1200150" indent="0">
-              <a:buNone/>
-              <a:defRPr sz="840" b="1"/>
+            <a:lvl6pPr marL="670484" indent="0">
+              <a:buNone/>
+              <a:defRPr sz="469" b="1"/>
             </a:lvl6pPr>
-            <a:lvl7pPr marL="1440180" indent="0">
-              <a:buNone/>
-              <a:defRPr sz="840" b="1"/>
+            <a:lvl7pPr marL="804581" indent="0">
+              <a:buNone/>
+              <a:defRPr sz="469" b="1"/>
             </a:lvl7pPr>
-            <a:lvl8pPr marL="1680210" indent="0">
-              <a:buNone/>
-              <a:defRPr sz="840" b="1"/>
+            <a:lvl8pPr marL="938677" indent="0">
+              <a:buNone/>
+              <a:defRPr sz="469" b="1"/>
             </a:lvl8pPr>
-            <a:lvl9pPr marL="1920240" indent="0">
-              <a:buNone/>
-              <a:defRPr sz="840" b="1"/>
+            <a:lvl9pPr marL="1072774" indent="0">
+              <a:buNone/>
+              <a:defRPr sz="469" b="1"/>
             </a:lvl9pPr>
           </a:lstStyle>
           <a:p>
@@ -1546,8 +1547,8 @@
         </p:nvSpPr>
         <p:spPr>
           <a:xfrm>
-            <a:off x="3240405" y="1336040"/>
-            <a:ext cx="2721174" cy="1965114"/>
+            <a:off x="3240405" y="734706"/>
+            <a:ext cx="2721174" cy="1080642"/>
           </a:xfrm>
         </p:spPr>
         <p:txBody>
@@ -1608,7 +1609,7 @@
           <a:p>
             <a:fld id="{752C0650-E0BA-4E3B-8377-4B12102A54B3}" type="datetimeFigureOut">
               <a:rPr lang="en-US" smtClean="0"/>
-              <a:t>12/10/2021</a:t>
+              <a:t>12/20/2021</a:t>
             </a:fld>
             <a:endParaRPr lang="en-US"/>
           </a:p>
@@ -1659,7 +1660,7 @@
     </p:spTree>
     <p:extLst>
       <p:ext uri="{BB962C8B-B14F-4D97-AF65-F5344CB8AC3E}">
-        <p14:creationId xmlns:p14="http://schemas.microsoft.com/office/powerpoint/2010/main" val="3509922235"/>
+        <p14:creationId xmlns:p14="http://schemas.microsoft.com/office/powerpoint/2010/main" val="3573807718"/>
       </p:ext>
     </p:extLst>
   </p:cSld>
@@ -1726,7 +1727,7 @@
           <a:p>
             <a:fld id="{752C0650-E0BA-4E3B-8377-4B12102A54B3}" type="datetimeFigureOut">
               <a:rPr lang="en-US" smtClean="0"/>
-              <a:t>12/10/2021</a:t>
+              <a:t>12/20/2021</a:t>
             </a:fld>
             <a:endParaRPr lang="en-US"/>
           </a:p>
@@ -1777,7 +1778,7 @@
     </p:spTree>
     <p:extLst>
       <p:ext uri="{BB962C8B-B14F-4D97-AF65-F5344CB8AC3E}">
-        <p14:creationId xmlns:p14="http://schemas.microsoft.com/office/powerpoint/2010/main" val="784921564"/>
+        <p14:creationId xmlns:p14="http://schemas.microsoft.com/office/powerpoint/2010/main" val="141192544"/>
       </p:ext>
     </p:extLst>
   </p:cSld>
@@ -1821,7 +1822,7 @@
           <a:p>
             <a:fld id="{752C0650-E0BA-4E3B-8377-4B12102A54B3}" type="datetimeFigureOut">
               <a:rPr lang="en-US" smtClean="0"/>
-              <a:t>12/10/2021</a:t>
+              <a:t>12/20/2021</a:t>
             </a:fld>
             <a:endParaRPr lang="en-US"/>
           </a:p>
@@ -1872,7 +1873,7 @@
     </p:spTree>
     <p:extLst>
       <p:ext uri="{BB962C8B-B14F-4D97-AF65-F5344CB8AC3E}">
-        <p14:creationId xmlns:p14="http://schemas.microsoft.com/office/powerpoint/2010/main" val="146982998"/>
+        <p14:creationId xmlns:p14="http://schemas.microsoft.com/office/powerpoint/2010/main" val="370741448"/>
       </p:ext>
     </p:extLst>
   </p:cSld>
@@ -1911,15 +1912,15 @@
         </p:nvSpPr>
         <p:spPr>
           <a:xfrm>
-            <a:off x="440889" y="243840"/>
-            <a:ext cx="2064424" cy="853440"/>
+            <a:off x="440889" y="134091"/>
+            <a:ext cx="2064424" cy="469318"/>
           </a:xfrm>
         </p:spPr>
         <p:txBody>
           <a:bodyPr anchor="b"/>
           <a:lstStyle>
             <a:lvl1pPr>
-              <a:defRPr sz="1680"/>
+              <a:defRPr sz="939"/>
             </a:lvl1pPr>
           </a:lstStyle>
           <a:p>
@@ -1943,39 +1944,39 @@
         </p:nvSpPr>
         <p:spPr>
           <a:xfrm>
-            <a:off x="2721174" y="526627"/>
-            <a:ext cx="3240405" cy="2599267"/>
+            <a:off x="2721174" y="289599"/>
+            <a:ext cx="3240405" cy="1429371"/>
           </a:xfrm>
         </p:spPr>
         <p:txBody>
           <a:bodyPr/>
           <a:lstStyle>
             <a:lvl1pPr>
-              <a:defRPr sz="1680"/>
+              <a:defRPr sz="939"/>
             </a:lvl1pPr>
             <a:lvl2pPr>
-              <a:defRPr sz="1470"/>
+              <a:defRPr sz="821"/>
             </a:lvl2pPr>
             <a:lvl3pPr>
-              <a:defRPr sz="1260"/>
+              <a:defRPr sz="704"/>
             </a:lvl3pPr>
             <a:lvl4pPr>
-              <a:defRPr sz="1050"/>
+              <a:defRPr sz="587"/>
             </a:lvl4pPr>
             <a:lvl5pPr>
-              <a:defRPr sz="1050"/>
+              <a:defRPr sz="587"/>
             </a:lvl5pPr>
             <a:lvl6pPr>
-              <a:defRPr sz="1050"/>
+              <a:defRPr sz="587"/>
             </a:lvl6pPr>
             <a:lvl7pPr>
-              <a:defRPr sz="1050"/>
+              <a:defRPr sz="587"/>
             </a:lvl7pPr>
             <a:lvl8pPr>
-              <a:defRPr sz="1050"/>
+              <a:defRPr sz="587"/>
             </a:lvl8pPr>
             <a:lvl9pPr>
-              <a:defRPr sz="1050"/>
+              <a:defRPr sz="587"/>
             </a:lvl9pPr>
           </a:lstStyle>
           <a:p>
@@ -2028,8 +2029,8 @@
         </p:nvSpPr>
         <p:spPr>
           <a:xfrm>
-            <a:off x="440889" y="1097280"/>
-            <a:ext cx="2064424" cy="2032847"/>
+            <a:off x="440889" y="603409"/>
+            <a:ext cx="2064424" cy="1117890"/>
           </a:xfrm>
         </p:spPr>
         <p:txBody>
@@ -2037,39 +2038,39 @@
           <a:lstStyle>
             <a:lvl1pPr marL="0" indent="0">
               <a:buNone/>
-              <a:defRPr sz="840"/>
+              <a:defRPr sz="469"/>
             </a:lvl1pPr>
-            <a:lvl2pPr marL="240030" indent="0">
-              <a:buNone/>
-              <a:defRPr sz="735"/>
+            <a:lvl2pPr marL="134097" indent="0">
+              <a:buNone/>
+              <a:defRPr sz="411"/>
             </a:lvl2pPr>
-            <a:lvl3pPr marL="480060" indent="0">
-              <a:buNone/>
-              <a:defRPr sz="630"/>
+            <a:lvl3pPr marL="268194" indent="0">
+              <a:buNone/>
+              <a:defRPr sz="352"/>
             </a:lvl3pPr>
-            <a:lvl4pPr marL="720090" indent="0">
-              <a:buNone/>
-              <a:defRPr sz="525"/>
+            <a:lvl4pPr marL="402290" indent="0">
+              <a:buNone/>
+              <a:defRPr sz="293"/>
             </a:lvl4pPr>
-            <a:lvl5pPr marL="960120" indent="0">
-              <a:buNone/>
-              <a:defRPr sz="525"/>
+            <a:lvl5pPr marL="536387" indent="0">
+              <a:buNone/>
+              <a:defRPr sz="293"/>
             </a:lvl5pPr>
-            <a:lvl6pPr marL="1200150" indent="0">
-              <a:buNone/>
-              <a:defRPr sz="525"/>
+            <a:lvl6pPr marL="670484" indent="0">
+              <a:buNone/>
+              <a:defRPr sz="293"/>
             </a:lvl6pPr>
-            <a:lvl7pPr marL="1440180" indent="0">
-              <a:buNone/>
-              <a:defRPr sz="525"/>
+            <a:lvl7pPr marL="804581" indent="0">
+              <a:buNone/>
+              <a:defRPr sz="293"/>
             </a:lvl7pPr>
-            <a:lvl8pPr marL="1680210" indent="0">
-              <a:buNone/>
-              <a:defRPr sz="525"/>
+            <a:lvl8pPr marL="938677" indent="0">
+              <a:buNone/>
+              <a:defRPr sz="293"/>
             </a:lvl8pPr>
-            <a:lvl9pPr marL="1920240" indent="0">
-              <a:buNone/>
-              <a:defRPr sz="525"/>
+            <a:lvl9pPr marL="1072774" indent="0">
+              <a:buNone/>
+              <a:defRPr sz="293"/>
             </a:lvl9pPr>
           </a:lstStyle>
           <a:p>
@@ -2098,7 +2099,7 @@
           <a:p>
             <a:fld id="{752C0650-E0BA-4E3B-8377-4B12102A54B3}" type="datetimeFigureOut">
               <a:rPr lang="en-US" smtClean="0"/>
-              <a:t>12/10/2021</a:t>
+              <a:t>12/20/2021</a:t>
             </a:fld>
             <a:endParaRPr lang="en-US"/>
           </a:p>
@@ -2149,7 +2150,7 @@
     </p:spTree>
     <p:extLst>
       <p:ext uri="{BB962C8B-B14F-4D97-AF65-F5344CB8AC3E}">
-        <p14:creationId xmlns:p14="http://schemas.microsoft.com/office/powerpoint/2010/main" val="3754311226"/>
+        <p14:creationId xmlns:p14="http://schemas.microsoft.com/office/powerpoint/2010/main" val="929044478"/>
       </p:ext>
     </p:extLst>
   </p:cSld>
@@ -2188,15 +2189,15 @@
         </p:nvSpPr>
         <p:spPr>
           <a:xfrm>
-            <a:off x="440889" y="243840"/>
-            <a:ext cx="2064424" cy="853440"/>
+            <a:off x="440889" y="134091"/>
+            <a:ext cx="2064424" cy="469318"/>
           </a:xfrm>
         </p:spPr>
         <p:txBody>
           <a:bodyPr anchor="b"/>
           <a:lstStyle>
             <a:lvl1pPr>
-              <a:defRPr sz="1680"/>
+              <a:defRPr sz="939"/>
             </a:lvl1pPr>
           </a:lstStyle>
           <a:p>
@@ -2220,8 +2221,8 @@
         </p:nvSpPr>
         <p:spPr>
           <a:xfrm>
-            <a:off x="2721174" y="526627"/>
-            <a:ext cx="3240405" cy="2599267"/>
+            <a:off x="2721174" y="289599"/>
+            <a:ext cx="3240405" cy="1429371"/>
           </a:xfrm>
         </p:spPr>
         <p:txBody>
@@ -2229,39 +2230,39 @@
           <a:lstStyle>
             <a:lvl1pPr marL="0" indent="0">
               <a:buNone/>
-              <a:defRPr sz="1680"/>
+              <a:defRPr sz="939"/>
             </a:lvl1pPr>
-            <a:lvl2pPr marL="240030" indent="0">
-              <a:buNone/>
-              <a:defRPr sz="1470"/>
+            <a:lvl2pPr marL="134097" indent="0">
+              <a:buNone/>
+              <a:defRPr sz="821"/>
             </a:lvl2pPr>
-            <a:lvl3pPr marL="480060" indent="0">
-              <a:buNone/>
-              <a:defRPr sz="1260"/>
+            <a:lvl3pPr marL="268194" indent="0">
+              <a:buNone/>
+              <a:defRPr sz="704"/>
             </a:lvl3pPr>
-            <a:lvl4pPr marL="720090" indent="0">
-              <a:buNone/>
-              <a:defRPr sz="1050"/>
+            <a:lvl4pPr marL="402290" indent="0">
+              <a:buNone/>
+              <a:defRPr sz="587"/>
             </a:lvl4pPr>
-            <a:lvl5pPr marL="960120" indent="0">
-              <a:buNone/>
-              <a:defRPr sz="1050"/>
+            <a:lvl5pPr marL="536387" indent="0">
+              <a:buNone/>
+              <a:defRPr sz="587"/>
             </a:lvl5pPr>
-            <a:lvl6pPr marL="1200150" indent="0">
-              <a:buNone/>
-              <a:defRPr sz="1050"/>
+            <a:lvl6pPr marL="670484" indent="0">
+              <a:buNone/>
+              <a:defRPr sz="587"/>
             </a:lvl6pPr>
-            <a:lvl7pPr marL="1440180" indent="0">
-              <a:buNone/>
-              <a:defRPr sz="1050"/>
+            <a:lvl7pPr marL="804581" indent="0">
+              <a:buNone/>
+              <a:defRPr sz="587"/>
             </a:lvl7pPr>
-            <a:lvl8pPr marL="1680210" indent="0">
-              <a:buNone/>
-              <a:defRPr sz="1050"/>
+            <a:lvl8pPr marL="938677" indent="0">
+              <a:buNone/>
+              <a:defRPr sz="587"/>
             </a:lvl8pPr>
-            <a:lvl9pPr marL="1920240" indent="0">
-              <a:buNone/>
-              <a:defRPr sz="1050"/>
+            <a:lvl9pPr marL="1072774" indent="0">
+              <a:buNone/>
+              <a:defRPr sz="587"/>
             </a:lvl9pPr>
           </a:lstStyle>
           <a:p>
@@ -2285,8 +2286,8 @@
         </p:nvSpPr>
         <p:spPr>
           <a:xfrm>
-            <a:off x="440889" y="1097280"/>
-            <a:ext cx="2064424" cy="2032847"/>
+            <a:off x="440889" y="603409"/>
+            <a:ext cx="2064424" cy="1117890"/>
           </a:xfrm>
         </p:spPr>
         <p:txBody>
@@ -2294,39 +2295,39 @@
           <a:lstStyle>
             <a:lvl1pPr marL="0" indent="0">
               <a:buNone/>
-              <a:defRPr sz="840"/>
+              <a:defRPr sz="469"/>
             </a:lvl1pPr>
-            <a:lvl2pPr marL="240030" indent="0">
-              <a:buNone/>
-              <a:defRPr sz="735"/>
+            <a:lvl2pPr marL="134097" indent="0">
+              <a:buNone/>
+              <a:defRPr sz="411"/>
             </a:lvl2pPr>
-            <a:lvl3pPr marL="480060" indent="0">
-              <a:buNone/>
-              <a:defRPr sz="630"/>
+            <a:lvl3pPr marL="268194" indent="0">
+              <a:buNone/>
+              <a:defRPr sz="352"/>
             </a:lvl3pPr>
-            <a:lvl4pPr marL="720090" indent="0">
-              <a:buNone/>
-              <a:defRPr sz="525"/>
+            <a:lvl4pPr marL="402290" indent="0">
+              <a:buNone/>
+              <a:defRPr sz="293"/>
             </a:lvl4pPr>
-            <a:lvl5pPr marL="960120" indent="0">
-              <a:buNone/>
-              <a:defRPr sz="525"/>
+            <a:lvl5pPr marL="536387" indent="0">
+              <a:buNone/>
+              <a:defRPr sz="293"/>
             </a:lvl5pPr>
-            <a:lvl6pPr marL="1200150" indent="0">
-              <a:buNone/>
-              <a:defRPr sz="525"/>
+            <a:lvl6pPr marL="670484" indent="0">
+              <a:buNone/>
+              <a:defRPr sz="293"/>
             </a:lvl6pPr>
-            <a:lvl7pPr marL="1440180" indent="0">
-              <a:buNone/>
-              <a:defRPr sz="525"/>
+            <a:lvl7pPr marL="804581" indent="0">
+              <a:buNone/>
+              <a:defRPr sz="293"/>
             </a:lvl7pPr>
-            <a:lvl8pPr marL="1680210" indent="0">
-              <a:buNone/>
-              <a:defRPr sz="525"/>
+            <a:lvl8pPr marL="938677" indent="0">
+              <a:buNone/>
+              <a:defRPr sz="293"/>
             </a:lvl8pPr>
-            <a:lvl9pPr marL="1920240" indent="0">
-              <a:buNone/>
-              <a:defRPr sz="525"/>
+            <a:lvl9pPr marL="1072774" indent="0">
+              <a:buNone/>
+              <a:defRPr sz="293"/>
             </a:lvl9pPr>
           </a:lstStyle>
           <a:p>
@@ -2355,7 +2356,7 @@
           <a:p>
             <a:fld id="{752C0650-E0BA-4E3B-8377-4B12102A54B3}" type="datetimeFigureOut">
               <a:rPr lang="en-US" smtClean="0"/>
-              <a:t>12/10/2021</a:t>
+              <a:t>12/20/2021</a:t>
             </a:fld>
             <a:endParaRPr lang="en-US"/>
           </a:p>
@@ -2406,7 +2407,7 @@
     </p:spTree>
     <p:extLst>
       <p:ext uri="{BB962C8B-B14F-4D97-AF65-F5344CB8AC3E}">
-        <p14:creationId xmlns:p14="http://schemas.microsoft.com/office/powerpoint/2010/main" val="1687554787"/>
+        <p14:creationId xmlns:p14="http://schemas.microsoft.com/office/powerpoint/2010/main" val="2188362277"/>
       </p:ext>
     </p:extLst>
   </p:cSld>
@@ -2450,8 +2451,8 @@
         </p:nvSpPr>
         <p:spPr>
           <a:xfrm>
-            <a:off x="440055" y="194734"/>
-            <a:ext cx="5520690" cy="706967"/>
+            <a:off x="440055" y="107086"/>
+            <a:ext cx="5520690" cy="388771"/>
           </a:xfrm>
           <a:prstGeom prst="rect">
             <a:avLst/>
@@ -2483,8 +2484,8 @@
         </p:nvSpPr>
         <p:spPr>
           <a:xfrm>
-            <a:off x="440055" y="973666"/>
-            <a:ext cx="5520690" cy="2320714"/>
+            <a:off x="440055" y="535432"/>
+            <a:ext cx="5520690" cy="1276191"/>
           </a:xfrm>
           <a:prstGeom prst="rect">
             <a:avLst/>
@@ -2545,8 +2546,8 @@
         </p:nvSpPr>
         <p:spPr>
           <a:xfrm>
-            <a:off x="440055" y="3390054"/>
-            <a:ext cx="1440180" cy="194733"/>
+            <a:off x="440055" y="1864236"/>
+            <a:ext cx="1440180" cy="107086"/>
           </a:xfrm>
           <a:prstGeom prst="rect">
             <a:avLst/>
@@ -2556,7 +2557,7 @@
           <a:bodyPr vert="horz" lIns="91440" tIns="45720" rIns="91440" bIns="45720" rtlCol="0" anchor="ctr"/>
           <a:lstStyle>
             <a:lvl1pPr algn="l">
-              <a:defRPr sz="630">
+              <a:defRPr sz="352">
                 <a:solidFill>
                   <a:schemeClr val="tx1">
                     <a:tint val="75000"/>
@@ -2568,7 +2569,7 @@
           <a:p>
             <a:fld id="{752C0650-E0BA-4E3B-8377-4B12102A54B3}" type="datetimeFigureOut">
               <a:rPr lang="en-US" smtClean="0"/>
-              <a:t>12/10/2021</a:t>
+              <a:t>12/20/2021</a:t>
             </a:fld>
             <a:endParaRPr lang="en-US"/>
           </a:p>
@@ -2586,8 +2587,8 @@
         </p:nvSpPr>
         <p:spPr>
           <a:xfrm>
-            <a:off x="2120265" y="3390054"/>
-            <a:ext cx="2160270" cy="194733"/>
+            <a:off x="2120265" y="1864236"/>
+            <a:ext cx="2160270" cy="107086"/>
           </a:xfrm>
           <a:prstGeom prst="rect">
             <a:avLst/>
@@ -2597,7 +2598,7 @@
           <a:bodyPr vert="horz" lIns="91440" tIns="45720" rIns="91440" bIns="45720" rtlCol="0" anchor="ctr"/>
           <a:lstStyle>
             <a:lvl1pPr algn="ctr">
-              <a:defRPr sz="630">
+              <a:defRPr sz="352">
                 <a:solidFill>
                   <a:schemeClr val="tx1">
                     <a:tint val="75000"/>
@@ -2623,8 +2624,8 @@
         </p:nvSpPr>
         <p:spPr>
           <a:xfrm>
-            <a:off x="4520565" y="3390054"/>
-            <a:ext cx="1440180" cy="194733"/>
+            <a:off x="4520565" y="1864236"/>
+            <a:ext cx="1440180" cy="107086"/>
           </a:xfrm>
           <a:prstGeom prst="rect">
             <a:avLst/>
@@ -2634,7 +2635,7 @@
           <a:bodyPr vert="horz" lIns="91440" tIns="45720" rIns="91440" bIns="45720" rtlCol="0" anchor="ctr"/>
           <a:lstStyle>
             <a:lvl1pPr algn="r">
-              <a:defRPr sz="630">
+              <a:defRPr sz="352">
                 <a:solidFill>
                   <a:schemeClr val="tx1">
                     <a:tint val="75000"/>
@@ -2655,27 +2656,27 @@
     </p:spTree>
     <p:extLst>
       <p:ext uri="{BB962C8B-B14F-4D97-AF65-F5344CB8AC3E}">
-        <p14:creationId xmlns:p14="http://schemas.microsoft.com/office/powerpoint/2010/main" val="166558478"/>
+        <p14:creationId xmlns:p14="http://schemas.microsoft.com/office/powerpoint/2010/main" val="4108645730"/>
       </p:ext>
     </p:extLst>
   </p:cSld>
   <p:clrMap bg1="lt1" tx1="dk1" bg2="lt2" tx2="dk2" accent1="accent1" accent2="accent2" accent3="accent3" accent4="accent4" accent5="accent5" accent6="accent6" hlink="hlink" folHlink="folHlink"/>
   <p:sldLayoutIdLst>
-    <p:sldLayoutId id="2147483721" r:id="rId1"/>
-    <p:sldLayoutId id="2147483722" r:id="rId2"/>
-    <p:sldLayoutId id="2147483723" r:id="rId3"/>
-    <p:sldLayoutId id="2147483724" r:id="rId4"/>
-    <p:sldLayoutId id="2147483725" r:id="rId5"/>
-    <p:sldLayoutId id="2147483726" r:id="rId6"/>
-    <p:sldLayoutId id="2147483727" r:id="rId7"/>
-    <p:sldLayoutId id="2147483728" r:id="rId8"/>
-    <p:sldLayoutId id="2147483729" r:id="rId9"/>
-    <p:sldLayoutId id="2147483730" r:id="rId10"/>
-    <p:sldLayoutId id="2147483731" r:id="rId11"/>
+    <p:sldLayoutId id="2147483745" r:id="rId1"/>
+    <p:sldLayoutId id="2147483746" r:id="rId2"/>
+    <p:sldLayoutId id="2147483747" r:id="rId3"/>
+    <p:sldLayoutId id="2147483748" r:id="rId4"/>
+    <p:sldLayoutId id="2147483749" r:id="rId5"/>
+    <p:sldLayoutId id="2147483750" r:id="rId6"/>
+    <p:sldLayoutId id="2147483751" r:id="rId7"/>
+    <p:sldLayoutId id="2147483752" r:id="rId8"/>
+    <p:sldLayoutId id="2147483753" r:id="rId9"/>
+    <p:sldLayoutId id="2147483754" r:id="rId10"/>
+    <p:sldLayoutId id="2147483755" r:id="rId11"/>
   </p:sldLayoutIdLst>
   <p:txStyles>
     <p:titleStyle>
-      <a:lvl1pPr algn="l" defTabSz="480060" rtl="0" eaLnBrk="1" latinLnBrk="0" hangingPunct="1">
+      <a:lvl1pPr algn="l" defTabSz="268194" rtl="0" eaLnBrk="1" latinLnBrk="0" hangingPunct="1">
         <a:lnSpc>
           <a:spcPct val="90000"/>
         </a:lnSpc>
@@ -2683,7 +2684,7 @@
           <a:spcPct val="0"/>
         </a:spcBef>
         <a:buNone/>
-        <a:defRPr sz="2310" kern="1200">
+        <a:defRPr sz="1291" kern="1200">
           <a:solidFill>
             <a:schemeClr val="tx1"/>
           </a:solidFill>
@@ -2694,16 +2695,16 @@
       </a:lvl1pPr>
     </p:titleStyle>
     <p:bodyStyle>
-      <a:lvl1pPr marL="120015" indent="-120015" algn="l" defTabSz="480060" rtl="0" eaLnBrk="1" latinLnBrk="0" hangingPunct="1">
+      <a:lvl1pPr marL="67048" indent="-67048" algn="l" defTabSz="268194" rtl="0" eaLnBrk="1" latinLnBrk="0" hangingPunct="1">
         <a:lnSpc>
           <a:spcPct val="90000"/>
         </a:lnSpc>
         <a:spcBef>
-          <a:spcPts val="525"/>
+          <a:spcPts val="293"/>
         </a:spcBef>
         <a:buFont typeface="Arial" panose="020B0604020202020204" pitchFamily="34" charset="0"/>
         <a:buChar char="•"/>
-        <a:defRPr sz="1470" kern="1200">
+        <a:defRPr sz="821" kern="1200">
           <a:solidFill>
             <a:schemeClr val="tx1"/>
           </a:solidFill>
@@ -2712,16 +2713,16 @@
           <a:cs typeface="+mn-cs"/>
         </a:defRPr>
       </a:lvl1pPr>
-      <a:lvl2pPr marL="360045" indent="-120015" algn="l" defTabSz="480060" rtl="0" eaLnBrk="1" latinLnBrk="0" hangingPunct="1">
+      <a:lvl2pPr marL="201145" indent="-67048" algn="l" defTabSz="268194" rtl="0" eaLnBrk="1" latinLnBrk="0" hangingPunct="1">
         <a:lnSpc>
           <a:spcPct val="90000"/>
         </a:lnSpc>
         <a:spcBef>
-          <a:spcPts val="263"/>
+          <a:spcPts val="147"/>
         </a:spcBef>
         <a:buFont typeface="Arial" panose="020B0604020202020204" pitchFamily="34" charset="0"/>
         <a:buChar char="•"/>
-        <a:defRPr sz="1260" kern="1200">
+        <a:defRPr sz="704" kern="1200">
           <a:solidFill>
             <a:schemeClr val="tx1"/>
           </a:solidFill>
@@ -2730,16 +2731,16 @@
           <a:cs typeface="+mn-cs"/>
         </a:defRPr>
       </a:lvl2pPr>
-      <a:lvl3pPr marL="600075" indent="-120015" algn="l" defTabSz="480060" rtl="0" eaLnBrk="1" latinLnBrk="0" hangingPunct="1">
+      <a:lvl3pPr marL="335242" indent="-67048" algn="l" defTabSz="268194" rtl="0" eaLnBrk="1" latinLnBrk="0" hangingPunct="1">
         <a:lnSpc>
           <a:spcPct val="90000"/>
         </a:lnSpc>
         <a:spcBef>
-          <a:spcPts val="263"/>
+          <a:spcPts val="147"/>
         </a:spcBef>
         <a:buFont typeface="Arial" panose="020B0604020202020204" pitchFamily="34" charset="0"/>
         <a:buChar char="•"/>
-        <a:defRPr sz="1050" kern="1200">
+        <a:defRPr sz="587" kern="1200">
           <a:solidFill>
             <a:schemeClr val="tx1"/>
           </a:solidFill>
@@ -2748,16 +2749,16 @@
           <a:cs typeface="+mn-cs"/>
         </a:defRPr>
       </a:lvl3pPr>
-      <a:lvl4pPr marL="840105" indent="-120015" algn="l" defTabSz="480060" rtl="0" eaLnBrk="1" latinLnBrk="0" hangingPunct="1">
+      <a:lvl4pPr marL="469339" indent="-67048" algn="l" defTabSz="268194" rtl="0" eaLnBrk="1" latinLnBrk="0" hangingPunct="1">
         <a:lnSpc>
           <a:spcPct val="90000"/>
         </a:lnSpc>
         <a:spcBef>
-          <a:spcPts val="263"/>
+          <a:spcPts val="147"/>
         </a:spcBef>
         <a:buFont typeface="Arial" panose="020B0604020202020204" pitchFamily="34" charset="0"/>
         <a:buChar char="•"/>
-        <a:defRPr sz="945" kern="1200">
+        <a:defRPr sz="528" kern="1200">
           <a:solidFill>
             <a:schemeClr val="tx1"/>
           </a:solidFill>
@@ -2766,16 +2767,16 @@
           <a:cs typeface="+mn-cs"/>
         </a:defRPr>
       </a:lvl4pPr>
-      <a:lvl5pPr marL="1080135" indent="-120015" algn="l" defTabSz="480060" rtl="0" eaLnBrk="1" latinLnBrk="0" hangingPunct="1">
+      <a:lvl5pPr marL="603435" indent="-67048" algn="l" defTabSz="268194" rtl="0" eaLnBrk="1" latinLnBrk="0" hangingPunct="1">
         <a:lnSpc>
           <a:spcPct val="90000"/>
         </a:lnSpc>
         <a:spcBef>
-          <a:spcPts val="263"/>
+          <a:spcPts val="147"/>
         </a:spcBef>
         <a:buFont typeface="Arial" panose="020B0604020202020204" pitchFamily="34" charset="0"/>
         <a:buChar char="•"/>
-        <a:defRPr sz="945" kern="1200">
+        <a:defRPr sz="528" kern="1200">
           <a:solidFill>
             <a:schemeClr val="tx1"/>
           </a:solidFill>
@@ -2784,16 +2785,16 @@
           <a:cs typeface="+mn-cs"/>
         </a:defRPr>
       </a:lvl5pPr>
-      <a:lvl6pPr marL="1320165" indent="-120015" algn="l" defTabSz="480060" rtl="0" eaLnBrk="1" latinLnBrk="0" hangingPunct="1">
+      <a:lvl6pPr marL="737532" indent="-67048" algn="l" defTabSz="268194" rtl="0" eaLnBrk="1" latinLnBrk="0" hangingPunct="1">
         <a:lnSpc>
           <a:spcPct val="90000"/>
         </a:lnSpc>
         <a:spcBef>
-          <a:spcPts val="263"/>
+          <a:spcPts val="147"/>
         </a:spcBef>
         <a:buFont typeface="Arial" panose="020B0604020202020204" pitchFamily="34" charset="0"/>
         <a:buChar char="•"/>
-        <a:defRPr sz="945" kern="1200">
+        <a:defRPr sz="528" kern="1200">
           <a:solidFill>
             <a:schemeClr val="tx1"/>
           </a:solidFill>
@@ -2802,16 +2803,16 @@
           <a:cs typeface="+mn-cs"/>
         </a:defRPr>
       </a:lvl6pPr>
-      <a:lvl7pPr marL="1560195" indent="-120015" algn="l" defTabSz="480060" rtl="0" eaLnBrk="1" latinLnBrk="0" hangingPunct="1">
+      <a:lvl7pPr marL="871629" indent="-67048" algn="l" defTabSz="268194" rtl="0" eaLnBrk="1" latinLnBrk="0" hangingPunct="1">
         <a:lnSpc>
           <a:spcPct val="90000"/>
         </a:lnSpc>
         <a:spcBef>
-          <a:spcPts val="263"/>
+          <a:spcPts val="147"/>
         </a:spcBef>
         <a:buFont typeface="Arial" panose="020B0604020202020204" pitchFamily="34" charset="0"/>
         <a:buChar char="•"/>
-        <a:defRPr sz="945" kern="1200">
+        <a:defRPr sz="528" kern="1200">
           <a:solidFill>
             <a:schemeClr val="tx1"/>
           </a:solidFill>
@@ -2820,16 +2821,16 @@
           <a:cs typeface="+mn-cs"/>
         </a:defRPr>
       </a:lvl7pPr>
-      <a:lvl8pPr marL="1800225" indent="-120015" algn="l" defTabSz="480060" rtl="0" eaLnBrk="1" latinLnBrk="0" hangingPunct="1">
+      <a:lvl8pPr marL="1005726" indent="-67048" algn="l" defTabSz="268194" rtl="0" eaLnBrk="1" latinLnBrk="0" hangingPunct="1">
         <a:lnSpc>
           <a:spcPct val="90000"/>
         </a:lnSpc>
         <a:spcBef>
-          <a:spcPts val="263"/>
+          <a:spcPts val="147"/>
         </a:spcBef>
         <a:buFont typeface="Arial" panose="020B0604020202020204" pitchFamily="34" charset="0"/>
         <a:buChar char="•"/>
-        <a:defRPr sz="945" kern="1200">
+        <a:defRPr sz="528" kern="1200">
           <a:solidFill>
             <a:schemeClr val="tx1"/>
           </a:solidFill>
@@ -2838,16 +2839,16 @@
           <a:cs typeface="+mn-cs"/>
         </a:defRPr>
       </a:lvl8pPr>
-      <a:lvl9pPr marL="2040255" indent="-120015" algn="l" defTabSz="480060" rtl="0" eaLnBrk="1" latinLnBrk="0" hangingPunct="1">
+      <a:lvl9pPr marL="1139822" indent="-67048" algn="l" defTabSz="268194" rtl="0" eaLnBrk="1" latinLnBrk="0" hangingPunct="1">
         <a:lnSpc>
           <a:spcPct val="90000"/>
         </a:lnSpc>
         <a:spcBef>
-          <a:spcPts val="263"/>
+          <a:spcPts val="147"/>
         </a:spcBef>
         <a:buFont typeface="Arial" panose="020B0604020202020204" pitchFamily="34" charset="0"/>
         <a:buChar char="•"/>
-        <a:defRPr sz="945" kern="1200">
+        <a:defRPr sz="528" kern="1200">
           <a:solidFill>
             <a:schemeClr val="tx1"/>
           </a:solidFill>
@@ -2861,8 +2862,8 @@
       <a:defPPr>
         <a:defRPr lang="en-US"/>
       </a:defPPr>
-      <a:lvl1pPr marL="0" algn="l" defTabSz="480060" rtl="0" eaLnBrk="1" latinLnBrk="0" hangingPunct="1">
-        <a:defRPr sz="945" kern="1200">
+      <a:lvl1pPr marL="0" algn="l" defTabSz="268194" rtl="0" eaLnBrk="1" latinLnBrk="0" hangingPunct="1">
+        <a:defRPr sz="528" kern="1200">
           <a:solidFill>
             <a:schemeClr val="tx1"/>
           </a:solidFill>
@@ -2871,8 +2872,8 @@
           <a:cs typeface="+mn-cs"/>
         </a:defRPr>
       </a:lvl1pPr>
-      <a:lvl2pPr marL="240030" algn="l" defTabSz="480060" rtl="0" eaLnBrk="1" latinLnBrk="0" hangingPunct="1">
-        <a:defRPr sz="945" kern="1200">
+      <a:lvl2pPr marL="134097" algn="l" defTabSz="268194" rtl="0" eaLnBrk="1" latinLnBrk="0" hangingPunct="1">
+        <a:defRPr sz="528" kern="1200">
           <a:solidFill>
             <a:schemeClr val="tx1"/>
           </a:solidFill>
@@ -2881,8 +2882,8 @@
           <a:cs typeface="+mn-cs"/>
         </a:defRPr>
       </a:lvl2pPr>
-      <a:lvl3pPr marL="480060" algn="l" defTabSz="480060" rtl="0" eaLnBrk="1" latinLnBrk="0" hangingPunct="1">
-        <a:defRPr sz="945" kern="1200">
+      <a:lvl3pPr marL="268194" algn="l" defTabSz="268194" rtl="0" eaLnBrk="1" latinLnBrk="0" hangingPunct="1">
+        <a:defRPr sz="528" kern="1200">
           <a:solidFill>
             <a:schemeClr val="tx1"/>
           </a:solidFill>
@@ -2891,8 +2892,8 @@
           <a:cs typeface="+mn-cs"/>
         </a:defRPr>
       </a:lvl3pPr>
-      <a:lvl4pPr marL="720090" algn="l" defTabSz="480060" rtl="0" eaLnBrk="1" latinLnBrk="0" hangingPunct="1">
-        <a:defRPr sz="945" kern="1200">
+      <a:lvl4pPr marL="402290" algn="l" defTabSz="268194" rtl="0" eaLnBrk="1" latinLnBrk="0" hangingPunct="1">
+        <a:defRPr sz="528" kern="1200">
           <a:solidFill>
             <a:schemeClr val="tx1"/>
           </a:solidFill>
@@ -2901,8 +2902,8 @@
           <a:cs typeface="+mn-cs"/>
         </a:defRPr>
       </a:lvl4pPr>
-      <a:lvl5pPr marL="960120" algn="l" defTabSz="480060" rtl="0" eaLnBrk="1" latinLnBrk="0" hangingPunct="1">
-        <a:defRPr sz="945" kern="1200">
+      <a:lvl5pPr marL="536387" algn="l" defTabSz="268194" rtl="0" eaLnBrk="1" latinLnBrk="0" hangingPunct="1">
+        <a:defRPr sz="528" kern="1200">
           <a:solidFill>
             <a:schemeClr val="tx1"/>
           </a:solidFill>
@@ -2911,8 +2912,8 @@
           <a:cs typeface="+mn-cs"/>
         </a:defRPr>
       </a:lvl5pPr>
-      <a:lvl6pPr marL="1200150" algn="l" defTabSz="480060" rtl="0" eaLnBrk="1" latinLnBrk="0" hangingPunct="1">
-        <a:defRPr sz="945" kern="1200">
+      <a:lvl6pPr marL="670484" algn="l" defTabSz="268194" rtl="0" eaLnBrk="1" latinLnBrk="0" hangingPunct="1">
+        <a:defRPr sz="528" kern="1200">
           <a:solidFill>
             <a:schemeClr val="tx1"/>
           </a:solidFill>
@@ -2921,8 +2922,8 @@
           <a:cs typeface="+mn-cs"/>
         </a:defRPr>
       </a:lvl6pPr>
-      <a:lvl7pPr marL="1440180" algn="l" defTabSz="480060" rtl="0" eaLnBrk="1" latinLnBrk="0" hangingPunct="1">
-        <a:defRPr sz="945" kern="1200">
+      <a:lvl7pPr marL="804581" algn="l" defTabSz="268194" rtl="0" eaLnBrk="1" latinLnBrk="0" hangingPunct="1">
+        <a:defRPr sz="528" kern="1200">
           <a:solidFill>
             <a:schemeClr val="tx1"/>
           </a:solidFill>
@@ -2931,8 +2932,8 @@
           <a:cs typeface="+mn-cs"/>
         </a:defRPr>
       </a:lvl7pPr>
-      <a:lvl8pPr marL="1680210" algn="l" defTabSz="480060" rtl="0" eaLnBrk="1" latinLnBrk="0" hangingPunct="1">
-        <a:defRPr sz="945" kern="1200">
+      <a:lvl8pPr marL="938677" algn="l" defTabSz="268194" rtl="0" eaLnBrk="1" latinLnBrk="0" hangingPunct="1">
+        <a:defRPr sz="528" kern="1200">
           <a:solidFill>
             <a:schemeClr val="tx1"/>
           </a:solidFill>
@@ -2941,8 +2942,8 @@
           <a:cs typeface="+mn-cs"/>
         </a:defRPr>
       </a:lvl8pPr>
-      <a:lvl9pPr marL="1920240" algn="l" defTabSz="480060" rtl="0" eaLnBrk="1" latinLnBrk="0" hangingPunct="1">
-        <a:defRPr sz="945" kern="1200">
+      <a:lvl9pPr marL="1072774" algn="l" defTabSz="268194" rtl="0" eaLnBrk="1" latinLnBrk="0" hangingPunct="1">
+        <a:defRPr sz="528" kern="1200">
           <a:solidFill>
             <a:schemeClr val="tx1"/>
           </a:solidFill>
@@ -2975,10 +2976,10 @@
       </p:grpSpPr>
       <p:sp>
         <p:nvSpPr>
-          <p:cNvPr id="6" name="Oval 5">
+          <p:cNvPr id="14" name="Oval 13">
             <a:extLst>
               <a:ext uri="{FF2B5EF4-FFF2-40B4-BE49-F238E27FC236}">
-                <a16:creationId xmlns:a16="http://schemas.microsoft.com/office/drawing/2014/main" id="{5A80C685-3AB0-4E67-8174-C06E31EC653B}"/>
+                <a16:creationId xmlns:a16="http://schemas.microsoft.com/office/drawing/2014/main" id="{BBB379F4-6D1D-44AD-A861-DBB965ECBE1F}"/>
               </a:ext>
             </a:extLst>
           </p:cNvPr>
@@ -2987,7 +2988,7 @@
         </p:nvSpPr>
         <p:spPr>
           <a:xfrm>
-            <a:off x="3283659" y="2808932"/>
+            <a:off x="3274143" y="462631"/>
             <a:ext cx="245126" cy="245126"/>
           </a:xfrm>
           <a:prstGeom prst="ellipse">
@@ -3033,10 +3034,10 @@
         <mc:Choice xmlns:a14="http://schemas.microsoft.com/office/drawing/2010/main" Requires="a14">
           <p:sp>
             <p:nvSpPr>
-              <p:cNvPr id="7" name="TextBox 6">
+              <p:cNvPr id="15" name="TextBox 14">
                 <a:extLst>
                   <a:ext uri="{FF2B5EF4-FFF2-40B4-BE49-F238E27FC236}">
-                    <a16:creationId xmlns:a16="http://schemas.microsoft.com/office/drawing/2014/main" id="{DE6F5A6A-4E8C-42FB-9E57-039CB5D8557F}"/>
+                    <a16:creationId xmlns:a16="http://schemas.microsoft.com/office/drawing/2014/main" id="{4E840888-46E5-41F2-9A3D-80BC64D7AA18}"/>
                   </a:ext>
                 </a:extLst>
               </p:cNvPr>
@@ -3045,8 +3046,8 @@
             </p:nvSpPr>
             <p:spPr>
               <a:xfrm>
-                <a:off x="2002951" y="2669889"/>
-                <a:ext cx="1214609" cy="562655"/>
+                <a:off x="1993437" y="323590"/>
+                <a:ext cx="1214609" cy="523220"/>
               </a:xfrm>
               <a:prstGeom prst="rect">
                 <a:avLst/>
@@ -3066,375 +3067,19 @@
                       <m:jc m:val="right"/>
                     </m:oMathParaPr>
                     <m:oMath xmlns:m="http://schemas.openxmlformats.org/officeDocument/2006/math">
-                      <m:sSub>
-                        <m:sSubPr>
-                          <m:ctrlPr>
-                            <a:rPr lang="en-US" sz="2800" i="1" dirty="0">
-                              <a:solidFill>
-                                <a:srgbClr val="009600"/>
-                              </a:solidFill>
-                              <a:latin typeface="Cambria Math" panose="02040503050406030204" pitchFamily="18" charset="0"/>
-                            </a:rPr>
-                          </m:ctrlPr>
-                        </m:sSubPr>
-                        <m:e>
-                          <m:r>
-                            <a:rPr lang="en-US" sz="2800" b="1" i="1" dirty="0">
-                              <a:solidFill>
-                                <a:srgbClr val="009600"/>
-                              </a:solidFill>
-                              <a:latin typeface="Cambria Math" panose="02040503050406030204" pitchFamily="18" charset="0"/>
-                            </a:rPr>
-                            <m:t>𝒁</m:t>
-                          </m:r>
-                        </m:e>
-                        <m:sub>
-                          <m:sSub>
-                            <m:sSubPr>
-                              <m:ctrlPr>
-                                <a:rPr lang="en-US" sz="2800" i="1" dirty="0">
-                                  <a:solidFill>
-                                    <a:srgbClr val="009600"/>
-                                  </a:solidFill>
-                                  <a:latin typeface="Cambria Math" panose="02040503050406030204" pitchFamily="18" charset="0"/>
-                                </a:rPr>
-                              </m:ctrlPr>
-                            </m:sSubPr>
-                            <m:e>
-                              <m:r>
-                                <a:rPr lang="en-US" sz="2800" i="1" dirty="0">
-                                  <a:solidFill>
-                                    <a:srgbClr val="009600"/>
-                                  </a:solidFill>
-                                  <a:latin typeface="Cambria Math" panose="02040503050406030204" pitchFamily="18" charset="0"/>
-                                </a:rPr>
-                                <m:t>ℓ</m:t>
-                              </m:r>
-                            </m:e>
-                            <m:sub>
-                              <m:r>
-                                <a:rPr lang="en-US" sz="2800" i="1" dirty="0">
-                                  <a:solidFill>
-                                    <a:srgbClr val="009600"/>
-                                  </a:solidFill>
-                                  <a:latin typeface="Cambria Math" panose="02040503050406030204" pitchFamily="18" charset="0"/>
-                                </a:rPr>
-                                <m:t>0</m:t>
-                              </m:r>
-                            </m:sub>
-                          </m:sSub>
-                          <m:r>
-                            <a:rPr lang="en-US" sz="2800" i="1" dirty="0">
-                              <a:solidFill>
-                                <a:srgbClr val="009600"/>
-                              </a:solidFill>
-                              <a:latin typeface="Cambria Math" panose="02040503050406030204" pitchFamily="18" charset="0"/>
-                            </a:rPr>
-                            <m:t>+1</m:t>
-                          </m:r>
-                        </m:sub>
-                      </m:sSub>
+                      <m:r>
+                        <a:rPr lang="en-US" sz="2800" b="1" i="1" dirty="0" smtClean="0">
+                          <a:solidFill>
+                            <a:srgbClr val="009600"/>
+                          </a:solidFill>
+                          <a:latin typeface="Cambria Math" panose="02040503050406030204" pitchFamily="18" charset="0"/>
+                        </a:rPr>
+                        <m:t>𝒁</m:t>
+                      </m:r>
                     </m:oMath>
                   </m:oMathPara>
                 </a14:m>
-                <a:endParaRPr lang="en-US" sz="2800" dirty="0">
-                  <a:solidFill>
-                    <a:srgbClr val="009600"/>
-                  </a:solidFill>
-                </a:endParaRPr>
-              </a:p>
-            </p:txBody>
-          </p:sp>
-        </mc:Choice>
-        <mc:Fallback>
-          <p:sp>
-            <p:nvSpPr>
-              <p:cNvPr id="7" name="TextBox 6">
-                <a:extLst>
-                  <a:ext uri="{FF2B5EF4-FFF2-40B4-BE49-F238E27FC236}">
-                    <a16:creationId xmlns:a16="http://schemas.microsoft.com/office/drawing/2014/main" id="{DE6F5A6A-4E8C-42FB-9E57-039CB5D8557F}"/>
-                  </a:ext>
-                </a:extLst>
-              </p:cNvPr>
-              <p:cNvSpPr txBox="1">
-                <a:spLocks noRot="1" noChangeAspect="1" noMove="1" noResize="1" noEditPoints="1" noAdjustHandles="1" noChangeArrowheads="1" noChangeShapeType="1" noTextEdit="1"/>
-              </p:cNvSpPr>
-              <p:nvPr/>
-            </p:nvSpPr>
-            <p:spPr>
-              <a:xfrm>
-                <a:off x="2002951" y="2669889"/>
-                <a:ext cx="1214609" cy="562655"/>
-              </a:xfrm>
-              <a:prstGeom prst="rect">
-                <a:avLst/>
-              </a:prstGeom>
-              <a:blipFill>
-                <a:blip r:embed="rId2"/>
-                <a:stretch>
-                  <a:fillRect/>
-                </a:stretch>
-              </a:blipFill>
-            </p:spPr>
-            <p:txBody>
-              <a:bodyPr/>
-              <a:lstStyle/>
-              <a:p>
-                <a:r>
-                  <a:rPr lang="en-US">
-                    <a:noFill/>
-                  </a:rPr>
-                  <a:t> </a:t>
-                </a:r>
-              </a:p>
-            </p:txBody>
-          </p:sp>
-        </mc:Fallback>
-      </mc:AlternateContent>
-      <p:cxnSp>
-        <p:nvCxnSpPr>
-          <p:cNvPr id="9" name="Straight Connector 8">
-            <a:extLst>
-              <a:ext uri="{FF2B5EF4-FFF2-40B4-BE49-F238E27FC236}">
-                <a16:creationId xmlns:a16="http://schemas.microsoft.com/office/drawing/2014/main" id="{1CF749E6-7492-4E67-A133-C4CCAC08511F}"/>
-              </a:ext>
-            </a:extLst>
-          </p:cNvPr>
-          <p:cNvCxnSpPr>
-            <a:cxnSpLocks/>
-          </p:cNvCxnSpPr>
-          <p:nvPr/>
-        </p:nvCxnSpPr>
-        <p:spPr>
-          <a:xfrm>
-            <a:off x="1534733" y="2494032"/>
-            <a:ext cx="3902725" cy="0"/>
-          </a:xfrm>
-          <a:prstGeom prst="line">
-            <a:avLst/>
-          </a:prstGeom>
-          <a:ln w="38100">
-            <a:solidFill>
-              <a:schemeClr val="tx1"/>
-            </a:solidFill>
-            <a:prstDash val="dash"/>
-          </a:ln>
-        </p:spPr>
-        <p:style>
-          <a:lnRef idx="1">
-            <a:schemeClr val="accent1"/>
-          </a:lnRef>
-          <a:fillRef idx="0">
-            <a:schemeClr val="accent1"/>
-          </a:fillRef>
-          <a:effectRef idx="0">
-            <a:schemeClr val="accent1"/>
-          </a:effectRef>
-          <a:fontRef idx="minor">
-            <a:schemeClr val="tx1"/>
-          </a:fontRef>
-        </p:style>
-      </p:cxnSp>
-      <p:cxnSp>
-        <p:nvCxnSpPr>
-          <p:cNvPr id="11" name="Straight Connector 10">
-            <a:extLst>
-              <a:ext uri="{FF2B5EF4-FFF2-40B4-BE49-F238E27FC236}">
-                <a16:creationId xmlns:a16="http://schemas.microsoft.com/office/drawing/2014/main" id="{0729A5FD-59C7-416E-8C5D-252ACA28E01D}"/>
-              </a:ext>
-            </a:extLst>
-          </p:cNvPr>
-          <p:cNvCxnSpPr>
-            <a:cxnSpLocks/>
-          </p:cNvCxnSpPr>
-          <p:nvPr/>
-        </p:nvCxnSpPr>
-        <p:spPr>
-          <a:xfrm>
-            <a:off x="1534733" y="3365281"/>
-            <a:ext cx="3902725" cy="0"/>
-          </a:xfrm>
-          <a:prstGeom prst="line">
-            <a:avLst/>
-          </a:prstGeom>
-          <a:ln w="38100">
-            <a:solidFill>
-              <a:schemeClr val="tx1"/>
-            </a:solidFill>
-            <a:prstDash val="dash"/>
-          </a:ln>
-        </p:spPr>
-        <p:style>
-          <a:lnRef idx="1">
-            <a:schemeClr val="accent1"/>
-          </a:lnRef>
-          <a:fillRef idx="0">
-            <a:schemeClr val="accent1"/>
-          </a:fillRef>
-          <a:effectRef idx="0">
-            <a:schemeClr val="accent1"/>
-          </a:effectRef>
-          <a:fontRef idx="minor">
-            <a:schemeClr val="tx1"/>
-          </a:fontRef>
-        </p:style>
-      </p:cxnSp>
-      <p:sp>
-        <p:nvSpPr>
-          <p:cNvPr id="14" name="Oval 13">
-            <a:extLst>
-              <a:ext uri="{FF2B5EF4-FFF2-40B4-BE49-F238E27FC236}">
-                <a16:creationId xmlns:a16="http://schemas.microsoft.com/office/drawing/2014/main" id="{BBB379F4-6D1D-44AD-A861-DBB965ECBE1F}"/>
-              </a:ext>
-            </a:extLst>
-          </p:cNvPr>
-          <p:cNvSpPr/>
-          <p:nvPr/>
-        </p:nvSpPr>
-        <p:spPr>
-          <a:xfrm>
-            <a:off x="3274143" y="580568"/>
-            <a:ext cx="245126" cy="245126"/>
-          </a:xfrm>
-          <a:prstGeom prst="ellipse">
-            <a:avLst/>
-          </a:prstGeom>
-          <a:noFill/>
-          <a:ln w="38100">
-            <a:solidFill>
-              <a:srgbClr val="009600"/>
-            </a:solidFill>
-          </a:ln>
-        </p:spPr>
-        <p:style>
-          <a:lnRef idx="2">
-            <a:schemeClr val="accent1">
-              <a:shade val="50000"/>
-            </a:schemeClr>
-          </a:lnRef>
-          <a:fillRef idx="1">
-            <a:schemeClr val="accent1"/>
-          </a:fillRef>
-          <a:effectRef idx="0">
-            <a:schemeClr val="accent1"/>
-          </a:effectRef>
-          <a:fontRef idx="minor">
-            <a:schemeClr val="lt1"/>
-          </a:fontRef>
-        </p:style>
-        <p:txBody>
-          <a:bodyPr rtlCol="0" anchor="ctr"/>
-          <a:lstStyle/>
-          <a:p>
-            <a:pPr algn="ctr"/>
-            <a:endParaRPr lang="en-US">
-              <a:solidFill>
-                <a:srgbClr val="009600"/>
-              </a:solidFill>
-            </a:endParaRPr>
-          </a:p>
-        </p:txBody>
-      </p:sp>
-      <mc:AlternateContent xmlns:mc="http://schemas.openxmlformats.org/markup-compatibility/2006">
-        <mc:Choice xmlns:a14="http://schemas.microsoft.com/office/drawing/2010/main" Requires="a14">
-          <p:sp>
-            <p:nvSpPr>
-              <p:cNvPr id="15" name="TextBox 14">
-                <a:extLst>
-                  <a:ext uri="{FF2B5EF4-FFF2-40B4-BE49-F238E27FC236}">
-                    <a16:creationId xmlns:a16="http://schemas.microsoft.com/office/drawing/2014/main" id="{4E840888-46E5-41F2-9A3D-80BC64D7AA18}"/>
-                  </a:ext>
-                </a:extLst>
-              </p:cNvPr>
-              <p:cNvSpPr txBox="1"/>
-              <p:nvPr/>
-            </p:nvSpPr>
-            <p:spPr>
-              <a:xfrm>
-                <a:off x="1993435" y="441525"/>
-                <a:ext cx="1214609" cy="562655"/>
-              </a:xfrm>
-              <a:prstGeom prst="rect">
-                <a:avLst/>
-              </a:prstGeom>
-              <a:noFill/>
-            </p:spPr>
-            <p:txBody>
-              <a:bodyPr wrap="square" rtlCol="0">
-                <a:spAutoFit/>
-              </a:bodyPr>
-              <a:lstStyle/>
-              <a:p>
-                <a:pPr algn="r"/>
-                <a14:m>
-                  <m:oMathPara xmlns:m="http://schemas.openxmlformats.org/officeDocument/2006/math">
-                    <m:oMathParaPr>
-                      <m:jc m:val="right"/>
-                    </m:oMathParaPr>
-                    <m:oMath xmlns:m="http://schemas.openxmlformats.org/officeDocument/2006/math">
-                      <m:sSub>
-                        <m:sSubPr>
-                          <m:ctrlPr>
-                            <a:rPr lang="en-US" sz="2800" i="1" dirty="0">
-                              <a:solidFill>
-                                <a:srgbClr val="009600"/>
-                              </a:solidFill>
-                              <a:latin typeface="Cambria Math" panose="02040503050406030204" pitchFamily="18" charset="0"/>
-                            </a:rPr>
-                          </m:ctrlPr>
-                        </m:sSubPr>
-                        <m:e>
-                          <m:r>
-                            <a:rPr lang="en-US" sz="2800" b="1" i="1" dirty="0">
-                              <a:solidFill>
-                                <a:srgbClr val="009600"/>
-                              </a:solidFill>
-                              <a:latin typeface="Cambria Math" panose="02040503050406030204" pitchFamily="18" charset="0"/>
-                            </a:rPr>
-                            <m:t>𝒁</m:t>
-                          </m:r>
-                        </m:e>
-                        <m:sub>
-                          <m:sSub>
-                            <m:sSubPr>
-                              <m:ctrlPr>
-                                <a:rPr lang="en-US" sz="2800" i="1" dirty="0">
-                                  <a:solidFill>
-                                    <a:srgbClr val="009600"/>
-                                  </a:solidFill>
-                                  <a:latin typeface="Cambria Math" panose="02040503050406030204" pitchFamily="18" charset="0"/>
-                                </a:rPr>
-                              </m:ctrlPr>
-                            </m:sSubPr>
-                            <m:e>
-                              <m:r>
-                                <a:rPr lang="en-US" sz="2800" i="1" dirty="0">
-                                  <a:solidFill>
-                                    <a:srgbClr val="009600"/>
-                                  </a:solidFill>
-                                  <a:latin typeface="Cambria Math" panose="02040503050406030204" pitchFamily="18" charset="0"/>
-                                </a:rPr>
-                                <m:t>ℓ</m:t>
-                              </m:r>
-                            </m:e>
-                            <m:sub>
-                              <m:r>
-                                <a:rPr lang="en-US" sz="2800" i="1" dirty="0">
-                                  <a:solidFill>
-                                    <a:srgbClr val="009600"/>
-                                  </a:solidFill>
-                                  <a:latin typeface="Cambria Math" panose="02040503050406030204" pitchFamily="18" charset="0"/>
-                                </a:rPr>
-                                <m:t>0</m:t>
-                              </m:r>
-                            </m:sub>
-                          </m:sSub>
-                        </m:sub>
-                      </m:sSub>
-                    </m:oMath>
-                  </m:oMathPara>
-                </a14:m>
-                <a:endParaRPr lang="en-US" sz="2800" dirty="0">
+                <a:endParaRPr lang="en-US" sz="2800" b="1" dirty="0">
                   <a:solidFill>
                     <a:srgbClr val="009600"/>
                   </a:solidFill>
@@ -3460,14 +3105,14 @@
             </p:nvSpPr>
             <p:spPr>
               <a:xfrm>
-                <a:off x="1993435" y="441525"/>
-                <a:ext cx="1214609" cy="562655"/>
+                <a:off x="1993437" y="323590"/>
+                <a:ext cx="1214609" cy="523220"/>
               </a:xfrm>
               <a:prstGeom prst="rect">
                 <a:avLst/>
               </a:prstGeom>
               <a:blipFill>
-                <a:blip r:embed="rId3"/>
+                <a:blip r:embed="rId2"/>
                 <a:stretch>
                   <a:fillRect/>
                 </a:stretch>
@@ -3504,7 +3149,7 @@
         </p:nvCxnSpPr>
         <p:spPr>
           <a:xfrm>
-            <a:off x="1525217" y="265668"/>
+            <a:off x="1525219" y="147731"/>
             <a:ext cx="3902725" cy="0"/>
           </a:xfrm>
           <a:prstGeom prst="line">
@@ -3548,7 +3193,7 @@
         </p:nvCxnSpPr>
         <p:spPr>
           <a:xfrm>
-            <a:off x="1525217" y="1136917"/>
+            <a:off x="1525219" y="1018980"/>
             <a:ext cx="3902725" cy="0"/>
           </a:xfrm>
           <a:prstGeom prst="line">
@@ -3590,7 +3235,7 @@
         </p:nvSpPr>
         <p:spPr>
           <a:xfrm>
-            <a:off x="4032471" y="1753238"/>
+            <a:off x="4032471" y="1635301"/>
             <a:ext cx="245126" cy="245126"/>
           </a:xfrm>
           <a:prstGeom prst="ellipse">
@@ -3631,10 +3276,10 @@
       </p:sp>
       <p:sp>
         <p:nvSpPr>
-          <p:cNvPr id="19" name="Oval 18">
+          <p:cNvPr id="20" name="Oval 19">
             <a:extLst>
               <a:ext uri="{FF2B5EF4-FFF2-40B4-BE49-F238E27FC236}">
-                <a16:creationId xmlns:a16="http://schemas.microsoft.com/office/drawing/2014/main" id="{DC82A6A4-38A9-4926-9CDE-F6C280A85866}"/>
+                <a16:creationId xmlns:a16="http://schemas.microsoft.com/office/drawing/2014/main" id="{B31867DD-BA81-48B0-98D3-EDFDCAE91DD4}"/>
               </a:ext>
             </a:extLst>
           </p:cNvPr>
@@ -3643,7 +3288,7 @@
         </p:nvSpPr>
         <p:spPr>
           <a:xfrm>
-            <a:off x="4378777" y="2959437"/>
+            <a:off x="4032471" y="893761"/>
             <a:ext cx="245126" cy="245126"/>
           </a:xfrm>
           <a:prstGeom prst="ellipse">
@@ -3681,58 +3326,6 @@
           </a:p>
         </p:txBody>
       </p:sp>
-      <p:sp>
-        <p:nvSpPr>
-          <p:cNvPr id="20" name="Oval 19">
-            <a:extLst>
-              <a:ext uri="{FF2B5EF4-FFF2-40B4-BE49-F238E27FC236}">
-                <a16:creationId xmlns:a16="http://schemas.microsoft.com/office/drawing/2014/main" id="{B31867DD-BA81-48B0-98D3-EDFDCAE91DD4}"/>
-              </a:ext>
-            </a:extLst>
-          </p:cNvPr>
-          <p:cNvSpPr/>
-          <p:nvPr/>
-        </p:nvSpPr>
-        <p:spPr>
-          <a:xfrm>
-            <a:off x="4032471" y="1011698"/>
-            <a:ext cx="245126" cy="245126"/>
-          </a:xfrm>
-          <a:prstGeom prst="ellipse">
-            <a:avLst/>
-          </a:prstGeom>
-          <a:noFill/>
-          <a:ln w="38100">
-            <a:solidFill>
-              <a:schemeClr val="tx1"/>
-            </a:solidFill>
-          </a:ln>
-        </p:spPr>
-        <p:style>
-          <a:lnRef idx="2">
-            <a:schemeClr val="accent1">
-              <a:shade val="50000"/>
-            </a:schemeClr>
-          </a:lnRef>
-          <a:fillRef idx="1">
-            <a:schemeClr val="accent1"/>
-          </a:fillRef>
-          <a:effectRef idx="0">
-            <a:schemeClr val="accent1"/>
-          </a:effectRef>
-          <a:fontRef idx="minor">
-            <a:schemeClr val="lt1"/>
-          </a:fontRef>
-        </p:style>
-        <p:txBody>
-          <a:bodyPr rtlCol="0" anchor="ctr"/>
-          <a:lstStyle/>
-          <a:p>
-            <a:pPr algn="ctr"/>
-            <a:endParaRPr lang="en-US"/>
-          </a:p>
-        </p:txBody>
-      </p:sp>
       <p:cxnSp>
         <p:nvCxnSpPr>
           <p:cNvPr id="21" name="Straight Connector 20">
@@ -3749,56 +3342,8 @@
         </p:nvCxnSpPr>
         <p:spPr>
           <a:xfrm flipH="1" flipV="1">
-            <a:off x="3396706" y="701293"/>
+            <a:off x="3396706" y="583356"/>
             <a:ext cx="758328" cy="432968"/>
-          </a:xfrm>
-          <a:prstGeom prst="line">
-            <a:avLst/>
-          </a:prstGeom>
-          <a:ln w="38100">
-            <a:solidFill>
-              <a:schemeClr val="accent2">
-                <a:lumMod val="75000"/>
-              </a:schemeClr>
-            </a:solidFill>
-            <a:prstDash val="solid"/>
-            <a:headEnd type="none" w="med" len="med"/>
-            <a:tailEnd type="triangle" w="lg" len="lg"/>
-          </a:ln>
-        </p:spPr>
-        <p:style>
-          <a:lnRef idx="1">
-            <a:schemeClr val="accent1"/>
-          </a:lnRef>
-          <a:fillRef idx="0">
-            <a:schemeClr val="accent1"/>
-          </a:fillRef>
-          <a:effectRef idx="0">
-            <a:schemeClr val="accent1"/>
-          </a:effectRef>
-          <a:fontRef idx="minor">
-            <a:schemeClr val="tx1"/>
-          </a:fontRef>
-        </p:style>
-      </p:cxnSp>
-      <p:cxnSp>
-        <p:nvCxnSpPr>
-          <p:cNvPr id="24" name="Straight Connector 23">
-            <a:extLst>
-              <a:ext uri="{FF2B5EF4-FFF2-40B4-BE49-F238E27FC236}">
-                <a16:creationId xmlns:a16="http://schemas.microsoft.com/office/drawing/2014/main" id="{421C4B6F-BDC8-4F9C-9DDE-852F345CB1C6}"/>
-              </a:ext>
-            </a:extLst>
-          </p:cNvPr>
-          <p:cNvCxnSpPr>
-            <a:cxnSpLocks/>
-          </p:cNvCxnSpPr>
-          <p:nvPr/>
-        </p:nvCxnSpPr>
-        <p:spPr>
-          <a:xfrm flipH="1" flipV="1">
-            <a:off x="3406222" y="2928745"/>
-            <a:ext cx="1095118" cy="153255"/>
           </a:xfrm>
           <a:prstGeom prst="line">
             <a:avLst/>
@@ -3845,8 +3390,8 @@
             </p:nvSpPr>
             <p:spPr>
               <a:xfrm>
-                <a:off x="4199673" y="546294"/>
-                <a:ext cx="1214609" cy="562655"/>
+                <a:off x="4199675" y="428359"/>
+                <a:ext cx="1214609" cy="523220"/>
               </a:xfrm>
               <a:prstGeom prst="rect">
                 <a:avLst/>
@@ -3869,7 +3414,7 @@
                       <m:sSub>
                         <m:sSubPr>
                           <m:ctrlPr>
-                            <a:rPr lang="en-US" sz="2800" i="1" dirty="0">
+                            <a:rPr lang="en-US" sz="2800" i="1" dirty="0" smtClean="0">
                               <a:latin typeface="Cambria Math" panose="02040503050406030204" pitchFamily="18" charset="0"/>
                             </a:rPr>
                           </m:ctrlPr>
@@ -3883,31 +3428,12 @@
                           </m:r>
                         </m:e>
                         <m:sub>
-                          <m:sSub>
-                            <m:sSubPr>
-                              <m:ctrlPr>
-                                <a:rPr lang="en-US" sz="2800" i="1" dirty="0">
-                                  <a:latin typeface="Cambria Math" panose="02040503050406030204" pitchFamily="18" charset="0"/>
-                                </a:rPr>
-                              </m:ctrlPr>
-                            </m:sSubPr>
-                            <m:e>
-                              <m:r>
-                                <a:rPr lang="en-US" sz="2800" i="1" dirty="0">
-                                  <a:latin typeface="Cambria Math" panose="02040503050406030204" pitchFamily="18" charset="0"/>
-                                </a:rPr>
-                                <m:t>ℓ</m:t>
-                              </m:r>
-                            </m:e>
-                            <m:sub>
-                              <m:r>
-                                <a:rPr lang="en-US" sz="2800" i="1" dirty="0">
-                                  <a:latin typeface="Cambria Math" panose="02040503050406030204" pitchFamily="18" charset="0"/>
-                                </a:rPr>
-                                <m:t>0</m:t>
-                              </m:r>
-                            </m:sub>
-                          </m:sSub>
+                          <m:r>
+                            <a:rPr lang="en-US" sz="2800" b="0" i="1" dirty="0" smtClean="0">
+                              <a:latin typeface="Cambria Math" panose="02040503050406030204" pitchFamily="18" charset="0"/>
+                            </a:rPr>
+                            <m:t>1</m:t>
+                          </m:r>
                         </m:sub>
                       </m:sSub>
                     </m:oMath>
@@ -3935,14 +3461,14 @@
             </p:nvSpPr>
             <p:spPr>
               <a:xfrm>
-                <a:off x="4199673" y="546294"/>
-                <a:ext cx="1214609" cy="562655"/>
+                <a:off x="4199675" y="428359"/>
+                <a:ext cx="1214609" cy="523220"/>
               </a:xfrm>
               <a:prstGeom prst="rect">
                 <a:avLst/>
               </a:prstGeom>
               <a:blipFill>
-                <a:blip r:embed="rId4"/>
+                <a:blip r:embed="rId3"/>
                 <a:stretch>
                   <a:fillRect/>
                 </a:stretch>
@@ -3963,148 +3489,8 @@
           </p:sp>
         </mc:Fallback>
       </mc:AlternateContent>
-      <mc:AlternateContent xmlns:mc="http://schemas.openxmlformats.org/markup-compatibility/2006">
-        <mc:Choice xmlns:a14="http://schemas.microsoft.com/office/drawing/2010/main" Requires="a14">
-          <p:sp>
-            <p:nvSpPr>
-              <p:cNvPr id="29" name="TextBox 28">
-                <a:extLst>
-                  <a:ext uri="{FF2B5EF4-FFF2-40B4-BE49-F238E27FC236}">
-                    <a16:creationId xmlns:a16="http://schemas.microsoft.com/office/drawing/2014/main" id="{0B8F3CAD-9B9E-4106-850E-22E22F5A5064}"/>
-                  </a:ext>
-                </a:extLst>
-              </p:cNvPr>
-              <p:cNvSpPr txBox="1"/>
-              <p:nvPr/>
-            </p:nvSpPr>
-            <p:spPr>
-              <a:xfrm>
-                <a:off x="4656112" y="2736257"/>
-                <a:ext cx="1214609" cy="562655"/>
-              </a:xfrm>
-              <a:prstGeom prst="rect">
-                <a:avLst/>
-              </a:prstGeom>
-              <a:noFill/>
-            </p:spPr>
-            <p:txBody>
-              <a:bodyPr wrap="square" rtlCol="0">
-                <a:spAutoFit/>
-              </a:bodyPr>
-              <a:lstStyle/>
-              <a:p>
-                <a:pPr/>
-                <a14:m>
-                  <m:oMathPara xmlns:m="http://schemas.openxmlformats.org/officeDocument/2006/math">
-                    <m:oMathParaPr>
-                      <m:jc m:val="left"/>
-                    </m:oMathParaPr>
-                    <m:oMath xmlns:m="http://schemas.openxmlformats.org/officeDocument/2006/math">
-                      <m:sSub>
-                        <m:sSubPr>
-                          <m:ctrlPr>
-                            <a:rPr lang="en-US" sz="2800" i="1" dirty="0">
-                              <a:latin typeface="Cambria Math" panose="02040503050406030204" pitchFamily="18" charset="0"/>
-                            </a:rPr>
-                          </m:ctrlPr>
-                        </m:sSubPr>
-                        <m:e>
-                          <m:r>
-                            <a:rPr lang="en-US" sz="2800" b="1" i="1" dirty="0">
-                              <a:latin typeface="Cambria Math" panose="02040503050406030204" pitchFamily="18" charset="0"/>
-                            </a:rPr>
-                            <m:t>𝑿</m:t>
-                          </m:r>
-                        </m:e>
-                        <m:sub>
-                          <m:sSub>
-                            <m:sSubPr>
-                              <m:ctrlPr>
-                                <a:rPr lang="en-US" sz="2800" i="1" dirty="0">
-                                  <a:latin typeface="Cambria Math" panose="02040503050406030204" pitchFamily="18" charset="0"/>
-                                </a:rPr>
-                              </m:ctrlPr>
-                            </m:sSubPr>
-                            <m:e>
-                              <m:r>
-                                <a:rPr lang="en-US" sz="2800" i="1" dirty="0">
-                                  <a:latin typeface="Cambria Math" panose="02040503050406030204" pitchFamily="18" charset="0"/>
-                                </a:rPr>
-                                <m:t>ℓ</m:t>
-                              </m:r>
-                            </m:e>
-                            <m:sub>
-                              <m:r>
-                                <a:rPr lang="en-US" sz="2800" i="1" dirty="0">
-                                  <a:latin typeface="Cambria Math" panose="02040503050406030204" pitchFamily="18" charset="0"/>
-                                </a:rPr>
-                                <m:t>0</m:t>
-                              </m:r>
-                            </m:sub>
-                          </m:sSub>
-                          <m:r>
-                            <a:rPr lang="en-US" sz="2800" i="1" dirty="0">
-                              <a:latin typeface="Cambria Math" panose="02040503050406030204" pitchFamily="18" charset="0"/>
-                            </a:rPr>
-                            <m:t>+1</m:t>
-                          </m:r>
-                        </m:sub>
-                      </m:sSub>
-                    </m:oMath>
-                  </m:oMathPara>
-                </a14:m>
-                <a:endParaRPr lang="en-US" sz="2800" dirty="0"/>
-              </a:p>
-            </p:txBody>
-          </p:sp>
-        </mc:Choice>
-        <mc:Fallback>
-          <p:sp>
-            <p:nvSpPr>
-              <p:cNvPr id="29" name="TextBox 28">
-                <a:extLst>
-                  <a:ext uri="{FF2B5EF4-FFF2-40B4-BE49-F238E27FC236}">
-                    <a16:creationId xmlns:a16="http://schemas.microsoft.com/office/drawing/2014/main" id="{0B8F3CAD-9B9E-4106-850E-22E22F5A5064}"/>
-                  </a:ext>
-                </a:extLst>
-              </p:cNvPr>
-              <p:cNvSpPr txBox="1">
-                <a:spLocks noRot="1" noChangeAspect="1" noMove="1" noResize="1" noEditPoints="1" noAdjustHandles="1" noChangeArrowheads="1" noChangeShapeType="1" noTextEdit="1"/>
-              </p:cNvSpPr>
-              <p:nvPr/>
-            </p:nvSpPr>
-            <p:spPr>
-              <a:xfrm>
-                <a:off x="4656112" y="2736257"/>
-                <a:ext cx="1214609" cy="562655"/>
-              </a:xfrm>
-              <a:prstGeom prst="rect">
-                <a:avLst/>
-              </a:prstGeom>
-              <a:blipFill>
-                <a:blip r:embed="rId5"/>
-                <a:stretch>
-                  <a:fillRect/>
-                </a:stretch>
-              </a:blipFill>
-            </p:spPr>
-            <p:txBody>
-              <a:bodyPr/>
-              <a:lstStyle/>
-              <a:p>
-                <a:r>
-                  <a:rPr lang="en-US">
-                    <a:noFill/>
-                  </a:rPr>
-                  <a:t> </a:t>
-                </a:r>
-              </a:p>
-            </p:txBody>
-          </p:sp>
-        </mc:Fallback>
-      </mc:AlternateContent>
-      <mc:AlternateContent xmlns:mc="http://schemas.openxmlformats.org/markup-compatibility/2006">
-        <mc:Choice xmlns:a14="http://schemas.microsoft.com/office/drawing/2010/main" Requires="a14">
+      <mc:AlternateContent xmlns:mc="http://schemas.openxmlformats.org/markup-compatibility/2006" xmlns:a14="http://schemas.microsoft.com/office/drawing/2010/main">
+        <mc:Choice Requires="a14">
           <p:sp>
             <p:nvSpPr>
               <p:cNvPr id="30" name="TextBox 29">
@@ -4119,7 +3505,7 @@
             </p:nvSpPr>
             <p:spPr>
               <a:xfrm>
-                <a:off x="3639232" y="421006"/>
+                <a:off x="3639234" y="303069"/>
                 <a:ext cx="534213" cy="523220"/>
               </a:xfrm>
               <a:prstGeom prst="rect">
@@ -4197,7 +3583,7 @@
             </p:txBody>
           </p:sp>
         </mc:Choice>
-        <mc:Fallback>
+        <mc:Fallback xmlns="">
           <p:sp>
             <p:nvSpPr>
               <p:cNvPr id="30" name="TextBox 29">
@@ -4214,156 +3600,14 @@
             </p:nvSpPr>
             <p:spPr>
               <a:xfrm>
-                <a:off x="3639232" y="421006"/>
+                <a:off x="3639234" y="303069"/>
                 <a:ext cx="534213" cy="523220"/>
               </a:xfrm>
               <a:prstGeom prst="rect">
                 <a:avLst/>
               </a:prstGeom>
               <a:blipFill>
-                <a:blip r:embed="rId6"/>
-                <a:stretch>
-                  <a:fillRect/>
-                </a:stretch>
-              </a:blipFill>
-              <a:ln>
-                <a:noFill/>
-              </a:ln>
-            </p:spPr>
-            <p:txBody>
-              <a:bodyPr/>
-              <a:lstStyle/>
-              <a:p>
-                <a:r>
-                  <a:rPr lang="en-US">
-                    <a:noFill/>
-                  </a:rPr>
-                  <a:t> </a:t>
-                </a:r>
-              </a:p>
-            </p:txBody>
-          </p:sp>
-        </mc:Fallback>
-      </mc:AlternateContent>
-      <mc:AlternateContent xmlns:mc="http://schemas.openxmlformats.org/markup-compatibility/2006">
-        <mc:Choice xmlns:a14="http://schemas.microsoft.com/office/drawing/2010/main" Requires="a14">
-          <p:sp>
-            <p:nvSpPr>
-              <p:cNvPr id="31" name="TextBox 30">
-                <a:extLst>
-                  <a:ext uri="{FF2B5EF4-FFF2-40B4-BE49-F238E27FC236}">
-                    <a16:creationId xmlns:a16="http://schemas.microsoft.com/office/drawing/2014/main" id="{462C0CA1-CADE-481F-A045-86A5B1B808B5}"/>
-                  </a:ext>
-                </a:extLst>
-              </p:cNvPr>
-              <p:cNvSpPr txBox="1"/>
-              <p:nvPr/>
-            </p:nvSpPr>
-            <p:spPr>
-              <a:xfrm>
-                <a:off x="3810674" y="2511524"/>
-                <a:ext cx="534213" cy="523220"/>
-              </a:xfrm>
-              <a:prstGeom prst="rect">
-                <a:avLst/>
-              </a:prstGeom>
-              <a:noFill/>
-              <a:ln>
-                <a:noFill/>
-              </a:ln>
-            </p:spPr>
-            <p:txBody>
-              <a:bodyPr wrap="square" rtlCol="0">
-                <a:spAutoFit/>
-              </a:bodyPr>
-              <a:lstStyle/>
-              <a:p>
-                <a:pPr/>
-                <a14:m>
-                  <m:oMathPara xmlns:m="http://schemas.openxmlformats.org/officeDocument/2006/math">
-                    <m:oMathParaPr>
-                      <m:jc m:val="left"/>
-                    </m:oMathParaPr>
-                    <m:oMath xmlns:m="http://schemas.openxmlformats.org/officeDocument/2006/math">
-                      <m:sSub>
-                        <m:sSubPr>
-                          <m:ctrlPr>
-                            <a:rPr lang="en-US" sz="2800" i="1" dirty="0">
-                              <a:solidFill>
-                                <a:schemeClr val="accent2">
-                                  <a:lumMod val="75000"/>
-                                </a:schemeClr>
-                              </a:solidFill>
-                              <a:latin typeface="Cambria Math" panose="02040503050406030204" pitchFamily="18" charset="0"/>
-                            </a:rPr>
-                          </m:ctrlPr>
-                        </m:sSubPr>
-                        <m:e>
-                          <m:r>
-                            <a:rPr lang="en-US" sz="2800" b="1" i="1" dirty="0">
-                              <a:solidFill>
-                                <a:schemeClr val="accent2">
-                                  <a:lumMod val="75000"/>
-                                </a:schemeClr>
-                              </a:solidFill>
-                              <a:latin typeface="Cambria Math" panose="02040503050406030204" pitchFamily="18" charset="0"/>
-                            </a:rPr>
-                            <m:t>𝑭</m:t>
-                          </m:r>
-                        </m:e>
-                        <m:sub>
-                          <m:r>
-                            <a:rPr lang="en-US" sz="2800" i="1" dirty="0">
-                              <a:solidFill>
-                                <a:schemeClr val="accent2">
-                                  <a:lumMod val="75000"/>
-                                </a:schemeClr>
-                              </a:solidFill>
-                              <a:latin typeface="Cambria Math" panose="02040503050406030204" pitchFamily="18" charset="0"/>
-                            </a:rPr>
-                            <m:t>1</m:t>
-                          </m:r>
-                        </m:sub>
-                      </m:sSub>
-                    </m:oMath>
-                  </m:oMathPara>
-                </a14:m>
-                <a:endParaRPr lang="en-US" sz="2800" dirty="0">
-                  <a:solidFill>
-                    <a:schemeClr val="accent2">
-                      <a:lumMod val="75000"/>
-                    </a:schemeClr>
-                  </a:solidFill>
-                </a:endParaRPr>
-              </a:p>
-            </p:txBody>
-          </p:sp>
-        </mc:Choice>
-        <mc:Fallback>
-          <p:sp>
-            <p:nvSpPr>
-              <p:cNvPr id="31" name="TextBox 30">
-                <a:extLst>
-                  <a:ext uri="{FF2B5EF4-FFF2-40B4-BE49-F238E27FC236}">
-                    <a16:creationId xmlns:a16="http://schemas.microsoft.com/office/drawing/2014/main" id="{462C0CA1-CADE-481F-A045-86A5B1B808B5}"/>
-                  </a:ext>
-                </a:extLst>
-              </p:cNvPr>
-              <p:cNvSpPr txBox="1">
-                <a:spLocks noRot="1" noChangeAspect="1" noMove="1" noResize="1" noEditPoints="1" noAdjustHandles="1" noChangeArrowheads="1" noChangeShapeType="1" noTextEdit="1"/>
-              </p:cNvSpPr>
-              <p:nvPr/>
-            </p:nvSpPr>
-            <p:spPr>
-              <a:xfrm>
-                <a:off x="3810674" y="2511524"/>
-                <a:ext cx="534213" cy="523220"/>
-              </a:xfrm>
-              <a:prstGeom prst="rect">
-                <a:avLst/>
-              </a:prstGeom>
-              <a:blipFill>
-                <a:blip r:embed="rId7"/>
+                <a:blip r:embed="rId4"/>
                 <a:stretch>
                   <a:fillRect/>
                 </a:stretch>
@@ -4405,7 +3649,7 @@
         </p:nvCxnSpPr>
         <p:spPr>
           <a:xfrm flipV="1">
-            <a:off x="4155034" y="1256824"/>
+            <a:off x="4155034" y="1138887"/>
             <a:ext cx="0" cy="496414"/>
           </a:xfrm>
           <a:prstGeom prst="line">
@@ -4435,8 +3679,8 @@
           </a:fontRef>
         </p:style>
       </p:cxnSp>
-      <mc:AlternateContent xmlns:mc="http://schemas.openxmlformats.org/markup-compatibility/2006">
-        <mc:Choice xmlns:a14="http://schemas.microsoft.com/office/drawing/2010/main" Requires="a14">
+      <mc:AlternateContent xmlns:mc="http://schemas.openxmlformats.org/markup-compatibility/2006" xmlns:a14="http://schemas.microsoft.com/office/drawing/2010/main">
+        <mc:Choice Requires="a14">
           <p:sp>
             <p:nvSpPr>
               <p:cNvPr id="36" name="TextBox 35">
@@ -4451,7 +3695,7 @@
             </p:nvSpPr>
             <p:spPr>
               <a:xfrm>
-                <a:off x="4202720" y="1289968"/>
+                <a:off x="4202720" y="1172031"/>
                 <a:ext cx="1104958" cy="534762"/>
               </a:xfrm>
               <a:prstGeom prst="rect">
@@ -4526,7 +3770,7 @@
             </p:txBody>
           </p:sp>
         </mc:Choice>
-        <mc:Fallback>
+        <mc:Fallback xmlns="">
           <p:sp>
             <p:nvSpPr>
               <p:cNvPr id="36" name="TextBox 35">
@@ -4543,14 +3787,14 @@
             </p:nvSpPr>
             <p:spPr>
               <a:xfrm>
-                <a:off x="4202720" y="1289968"/>
+                <a:off x="4202720" y="1172031"/>
                 <a:ext cx="1104958" cy="534762"/>
               </a:xfrm>
               <a:prstGeom prst="rect">
                 <a:avLst/>
               </a:prstGeom>
               <a:blipFill>
-                <a:blip r:embed="rId8"/>
+                <a:blip r:embed="rId5"/>
                 <a:stretch>
                   <a:fillRect/>
                 </a:stretch>
@@ -4587,7 +3831,7 @@
         </p:nvCxnSpPr>
         <p:spPr>
           <a:xfrm>
-            <a:off x="5637215" y="1136964"/>
+            <a:off x="5637217" y="1019027"/>
             <a:ext cx="233511" cy="0"/>
           </a:xfrm>
           <a:prstGeom prst="line">
@@ -4631,7 +3875,7 @@
         </p:nvCxnSpPr>
         <p:spPr>
           <a:xfrm>
-            <a:off x="5637215" y="705357"/>
+            <a:off x="5637215" y="587420"/>
             <a:ext cx="233506" cy="0"/>
           </a:xfrm>
           <a:prstGeom prst="line">
@@ -4675,7 +3919,7 @@
         </p:nvCxnSpPr>
         <p:spPr>
           <a:xfrm>
-            <a:off x="5753968" y="701294"/>
+            <a:off x="5753968" y="583359"/>
             <a:ext cx="0" cy="432967"/>
           </a:xfrm>
           <a:prstGeom prst="line">
@@ -4707,8 +3951,8 @@
           </a:fontRef>
         </p:style>
       </p:cxnSp>
-      <mc:AlternateContent xmlns:mc="http://schemas.openxmlformats.org/markup-compatibility/2006">
-        <mc:Choice xmlns:a14="http://schemas.microsoft.com/office/drawing/2010/main" Requires="a14">
+      <mc:AlternateContent xmlns:mc="http://schemas.openxmlformats.org/markup-compatibility/2006" xmlns:a14="http://schemas.microsoft.com/office/drawing/2010/main">
+        <mc:Choice Requires="a14">
           <p:sp>
             <p:nvSpPr>
               <p:cNvPr id="48" name="TextBox 47">
@@ -4723,7 +3967,7 @@
             </p:nvSpPr>
             <p:spPr>
               <a:xfrm>
-                <a:off x="5848321" y="638918"/>
+                <a:off x="5848321" y="520983"/>
                 <a:ext cx="1104958" cy="557717"/>
               </a:xfrm>
               <a:prstGeom prst="rect">
@@ -4810,7 +4054,7 @@
             </p:txBody>
           </p:sp>
         </mc:Choice>
-        <mc:Fallback>
+        <mc:Fallback xmlns="">
           <p:sp>
             <p:nvSpPr>
               <p:cNvPr id="48" name="TextBox 47">
@@ -4827,14 +4071,14 @@
             </p:nvSpPr>
             <p:spPr>
               <a:xfrm>
-                <a:off x="5848321" y="638918"/>
+                <a:off x="5848321" y="520983"/>
                 <a:ext cx="1104958" cy="557717"/>
               </a:xfrm>
               <a:prstGeom prst="rect">
                 <a:avLst/>
               </a:prstGeom>
               <a:blipFill>
-                <a:blip r:embed="rId9"/>
+                <a:blip r:embed="rId6"/>
                 <a:stretch>
                   <a:fillRect/>
                 </a:stretch>
@@ -4872,7 +4116,7 @@
         </p:nvSpPr>
         <p:spPr>
           <a:xfrm>
-            <a:off x="973659" y="265668"/>
+            <a:off x="973659" y="147733"/>
             <a:ext cx="357534" cy="871243"/>
           </a:xfrm>
           <a:prstGeom prst="leftBrace">
@@ -4924,7 +4168,7 @@
         </p:nvSpPr>
         <p:spPr>
           <a:xfrm>
-            <a:off x="-80593" y="338199"/>
+            <a:off x="-80593" y="220262"/>
             <a:ext cx="1054252" cy="707886"/>
           </a:xfrm>
           <a:prstGeom prst="rect">
@@ -4950,6 +4194,640 @@
     <p:extLst>
       <p:ext uri="{BB962C8B-B14F-4D97-AF65-F5344CB8AC3E}">
         <p14:creationId xmlns:p14="http://schemas.microsoft.com/office/powerpoint/2010/main" val="556407806"/>
+      </p:ext>
+    </p:extLst>
+  </p:cSld>
+  <p:clrMapOvr>
+    <a:masterClrMapping/>
+  </p:clrMapOvr>
+</p:sld>
+</file>
+
+<file path=ppt/slides/slide2.xml><?xml version="1.0" encoding="utf-8"?>
+<p:sld xmlns:a="http://schemas.openxmlformats.org/drawingml/2006/main" xmlns:r="http://schemas.openxmlformats.org/officeDocument/2006/relationships" xmlns:p="http://schemas.openxmlformats.org/presentationml/2006/main">
+  <p:cSld>
+    <p:spTree>
+      <p:nvGrpSpPr>
+        <p:cNvPr id="1" name=""/>
+        <p:cNvGrpSpPr/>
+        <p:nvPr/>
+      </p:nvGrpSpPr>
+      <p:grpSpPr>
+        <a:xfrm>
+          <a:off x="0" y="0"/>
+          <a:ext cx="0" cy="0"/>
+          <a:chOff x="0" y="0"/>
+          <a:chExt cx="0" cy="0"/>
+        </a:xfrm>
+      </p:grpSpPr>
+      <p:sp>
+        <p:nvSpPr>
+          <p:cNvPr id="6" name="Oval 5">
+            <a:extLst>
+              <a:ext uri="{FF2B5EF4-FFF2-40B4-BE49-F238E27FC236}">
+                <a16:creationId xmlns:a16="http://schemas.microsoft.com/office/drawing/2014/main" id="{5A80C685-3AB0-4E67-8174-C06E31EC653B}"/>
+              </a:ext>
+            </a:extLst>
+          </p:cNvPr>
+          <p:cNvSpPr/>
+          <p:nvPr/>
+        </p:nvSpPr>
+        <p:spPr>
+          <a:xfrm>
+            <a:off x="3273747" y="462104"/>
+            <a:ext cx="245126" cy="245126"/>
+          </a:xfrm>
+          <a:prstGeom prst="ellipse">
+            <a:avLst/>
+          </a:prstGeom>
+          <a:noFill/>
+          <a:ln w="38100">
+            <a:solidFill>
+              <a:srgbClr val="009600"/>
+            </a:solidFill>
+          </a:ln>
+        </p:spPr>
+        <p:style>
+          <a:lnRef idx="2">
+            <a:schemeClr val="accent1">
+              <a:shade val="50000"/>
+            </a:schemeClr>
+          </a:lnRef>
+          <a:fillRef idx="1">
+            <a:schemeClr val="accent1"/>
+          </a:fillRef>
+          <a:effectRef idx="0">
+            <a:schemeClr val="accent1"/>
+          </a:effectRef>
+          <a:fontRef idx="minor">
+            <a:schemeClr val="lt1"/>
+          </a:fontRef>
+        </p:style>
+        <p:txBody>
+          <a:bodyPr rtlCol="0" anchor="ctr"/>
+          <a:lstStyle/>
+          <a:p>
+            <a:pPr algn="ctr"/>
+            <a:endParaRPr lang="en-US">
+              <a:solidFill>
+                <a:srgbClr val="009600"/>
+              </a:solidFill>
+            </a:endParaRPr>
+          </a:p>
+        </p:txBody>
+      </p:sp>
+      <mc:AlternateContent xmlns:mc="http://schemas.openxmlformats.org/markup-compatibility/2006">
+        <mc:Choice xmlns:a14="http://schemas.microsoft.com/office/drawing/2010/main" Requires="a14">
+          <p:sp>
+            <p:nvSpPr>
+              <p:cNvPr id="7" name="TextBox 6">
+                <a:extLst>
+                  <a:ext uri="{FF2B5EF4-FFF2-40B4-BE49-F238E27FC236}">
+                    <a16:creationId xmlns:a16="http://schemas.microsoft.com/office/drawing/2014/main" id="{DE6F5A6A-4E8C-42FB-9E57-039CB5D8557F}"/>
+                  </a:ext>
+                </a:extLst>
+              </p:cNvPr>
+              <p:cNvSpPr txBox="1"/>
+              <p:nvPr/>
+            </p:nvSpPr>
+            <p:spPr>
+              <a:xfrm>
+                <a:off x="1993041" y="323063"/>
+                <a:ext cx="1214609" cy="523220"/>
+              </a:xfrm>
+              <a:prstGeom prst="rect">
+                <a:avLst/>
+              </a:prstGeom>
+              <a:noFill/>
+            </p:spPr>
+            <p:txBody>
+              <a:bodyPr wrap="square" rtlCol="0">
+                <a:spAutoFit/>
+              </a:bodyPr>
+              <a:lstStyle/>
+              <a:p>
+                <a:pPr algn="r"/>
+                <a14:m>
+                  <m:oMathPara xmlns:m="http://schemas.openxmlformats.org/officeDocument/2006/math">
+                    <m:oMathParaPr>
+                      <m:jc m:val="right"/>
+                    </m:oMathParaPr>
+                    <m:oMath xmlns:m="http://schemas.openxmlformats.org/officeDocument/2006/math">
+                      <m:r>
+                        <a:rPr lang="en-US" sz="2800" b="1" i="1" dirty="0" smtClean="0">
+                          <a:solidFill>
+                            <a:srgbClr val="009600"/>
+                          </a:solidFill>
+                          <a:latin typeface="Cambria Math" panose="02040503050406030204" pitchFamily="18" charset="0"/>
+                        </a:rPr>
+                        <m:t>𝒁</m:t>
+                      </m:r>
+                    </m:oMath>
+                  </m:oMathPara>
+                </a14:m>
+                <a:endParaRPr lang="en-US" sz="2800" b="1" dirty="0">
+                  <a:solidFill>
+                    <a:srgbClr val="009600"/>
+                  </a:solidFill>
+                </a:endParaRPr>
+              </a:p>
+            </p:txBody>
+          </p:sp>
+        </mc:Choice>
+        <mc:Fallback>
+          <p:sp>
+            <p:nvSpPr>
+              <p:cNvPr id="7" name="TextBox 6">
+                <a:extLst>
+                  <a:ext uri="{FF2B5EF4-FFF2-40B4-BE49-F238E27FC236}">
+                    <a16:creationId xmlns:a16="http://schemas.microsoft.com/office/drawing/2014/main" id="{DE6F5A6A-4E8C-42FB-9E57-039CB5D8557F}"/>
+                  </a:ext>
+                </a:extLst>
+              </p:cNvPr>
+              <p:cNvSpPr txBox="1">
+                <a:spLocks noRot="1" noChangeAspect="1" noMove="1" noResize="1" noEditPoints="1" noAdjustHandles="1" noChangeArrowheads="1" noChangeShapeType="1" noTextEdit="1"/>
+              </p:cNvSpPr>
+              <p:nvPr/>
+            </p:nvSpPr>
+            <p:spPr>
+              <a:xfrm>
+                <a:off x="1993041" y="323063"/>
+                <a:ext cx="1214609" cy="523220"/>
+              </a:xfrm>
+              <a:prstGeom prst="rect">
+                <a:avLst/>
+              </a:prstGeom>
+              <a:blipFill>
+                <a:blip r:embed="rId2"/>
+                <a:stretch>
+                  <a:fillRect/>
+                </a:stretch>
+              </a:blipFill>
+            </p:spPr>
+            <p:txBody>
+              <a:bodyPr/>
+              <a:lstStyle/>
+              <a:p>
+                <a:r>
+                  <a:rPr lang="en-US">
+                    <a:noFill/>
+                  </a:rPr>
+                  <a:t> </a:t>
+                </a:r>
+              </a:p>
+            </p:txBody>
+          </p:sp>
+        </mc:Fallback>
+      </mc:AlternateContent>
+      <p:cxnSp>
+        <p:nvCxnSpPr>
+          <p:cNvPr id="9" name="Straight Connector 8">
+            <a:extLst>
+              <a:ext uri="{FF2B5EF4-FFF2-40B4-BE49-F238E27FC236}">
+                <a16:creationId xmlns:a16="http://schemas.microsoft.com/office/drawing/2014/main" id="{1CF749E6-7492-4E67-A133-C4CCAC08511F}"/>
+              </a:ext>
+            </a:extLst>
+          </p:cNvPr>
+          <p:cNvCxnSpPr>
+            <a:cxnSpLocks/>
+          </p:cNvCxnSpPr>
+          <p:nvPr/>
+        </p:nvCxnSpPr>
+        <p:spPr>
+          <a:xfrm>
+            <a:off x="1524823" y="147204"/>
+            <a:ext cx="3902725" cy="0"/>
+          </a:xfrm>
+          <a:prstGeom prst="line">
+            <a:avLst/>
+          </a:prstGeom>
+          <a:ln w="38100">
+            <a:solidFill>
+              <a:schemeClr val="tx1"/>
+            </a:solidFill>
+            <a:prstDash val="dash"/>
+          </a:ln>
+        </p:spPr>
+        <p:style>
+          <a:lnRef idx="1">
+            <a:schemeClr val="accent1"/>
+          </a:lnRef>
+          <a:fillRef idx="0">
+            <a:schemeClr val="accent1"/>
+          </a:fillRef>
+          <a:effectRef idx="0">
+            <a:schemeClr val="accent1"/>
+          </a:effectRef>
+          <a:fontRef idx="minor">
+            <a:schemeClr val="tx1"/>
+          </a:fontRef>
+        </p:style>
+      </p:cxnSp>
+      <p:cxnSp>
+        <p:nvCxnSpPr>
+          <p:cNvPr id="11" name="Straight Connector 10">
+            <a:extLst>
+              <a:ext uri="{FF2B5EF4-FFF2-40B4-BE49-F238E27FC236}">
+                <a16:creationId xmlns:a16="http://schemas.microsoft.com/office/drawing/2014/main" id="{0729A5FD-59C7-416E-8C5D-252ACA28E01D}"/>
+              </a:ext>
+            </a:extLst>
+          </p:cNvPr>
+          <p:cNvCxnSpPr>
+            <a:cxnSpLocks/>
+          </p:cNvCxnSpPr>
+          <p:nvPr/>
+        </p:nvCxnSpPr>
+        <p:spPr>
+          <a:xfrm>
+            <a:off x="1524823" y="1018453"/>
+            <a:ext cx="3902725" cy="0"/>
+          </a:xfrm>
+          <a:prstGeom prst="line">
+            <a:avLst/>
+          </a:prstGeom>
+          <a:ln w="38100">
+            <a:solidFill>
+              <a:schemeClr val="tx1"/>
+            </a:solidFill>
+            <a:prstDash val="dash"/>
+          </a:ln>
+        </p:spPr>
+        <p:style>
+          <a:lnRef idx="1">
+            <a:schemeClr val="accent1"/>
+          </a:lnRef>
+          <a:fillRef idx="0">
+            <a:schemeClr val="accent1"/>
+          </a:fillRef>
+          <a:effectRef idx="0">
+            <a:schemeClr val="accent1"/>
+          </a:effectRef>
+          <a:fontRef idx="minor">
+            <a:schemeClr val="tx1"/>
+          </a:fontRef>
+        </p:style>
+      </p:cxnSp>
+      <p:sp>
+        <p:nvSpPr>
+          <p:cNvPr id="19" name="Oval 18">
+            <a:extLst>
+              <a:ext uri="{FF2B5EF4-FFF2-40B4-BE49-F238E27FC236}">
+                <a16:creationId xmlns:a16="http://schemas.microsoft.com/office/drawing/2014/main" id="{DC82A6A4-38A9-4926-9CDE-F6C280A85866}"/>
+              </a:ext>
+            </a:extLst>
+          </p:cNvPr>
+          <p:cNvSpPr/>
+          <p:nvPr/>
+        </p:nvSpPr>
+        <p:spPr>
+          <a:xfrm>
+            <a:off x="4368865" y="612609"/>
+            <a:ext cx="245126" cy="245126"/>
+          </a:xfrm>
+          <a:prstGeom prst="ellipse">
+            <a:avLst/>
+          </a:prstGeom>
+          <a:noFill/>
+          <a:ln w="38100">
+            <a:solidFill>
+              <a:schemeClr val="tx1"/>
+            </a:solidFill>
+          </a:ln>
+        </p:spPr>
+        <p:style>
+          <a:lnRef idx="2">
+            <a:schemeClr val="accent1">
+              <a:shade val="50000"/>
+            </a:schemeClr>
+          </a:lnRef>
+          <a:fillRef idx="1">
+            <a:schemeClr val="accent1"/>
+          </a:fillRef>
+          <a:effectRef idx="0">
+            <a:schemeClr val="accent1"/>
+          </a:effectRef>
+          <a:fontRef idx="minor">
+            <a:schemeClr val="lt1"/>
+          </a:fontRef>
+        </p:style>
+        <p:txBody>
+          <a:bodyPr rtlCol="0" anchor="ctr"/>
+          <a:lstStyle/>
+          <a:p>
+            <a:pPr algn="ctr"/>
+            <a:endParaRPr lang="en-US"/>
+          </a:p>
+        </p:txBody>
+      </p:sp>
+      <p:cxnSp>
+        <p:nvCxnSpPr>
+          <p:cNvPr id="24" name="Straight Connector 23">
+            <a:extLst>
+              <a:ext uri="{FF2B5EF4-FFF2-40B4-BE49-F238E27FC236}">
+                <a16:creationId xmlns:a16="http://schemas.microsoft.com/office/drawing/2014/main" id="{421C4B6F-BDC8-4F9C-9DDE-852F345CB1C6}"/>
+              </a:ext>
+            </a:extLst>
+          </p:cNvPr>
+          <p:cNvCxnSpPr>
+            <a:cxnSpLocks/>
+          </p:cNvCxnSpPr>
+          <p:nvPr/>
+        </p:nvCxnSpPr>
+        <p:spPr>
+          <a:xfrm flipH="1" flipV="1">
+            <a:off x="3396310" y="581919"/>
+            <a:ext cx="1095118" cy="153255"/>
+          </a:xfrm>
+          <a:prstGeom prst="line">
+            <a:avLst/>
+          </a:prstGeom>
+          <a:ln w="38100">
+            <a:solidFill>
+              <a:schemeClr val="accent2">
+                <a:lumMod val="75000"/>
+              </a:schemeClr>
+            </a:solidFill>
+            <a:prstDash val="solid"/>
+            <a:headEnd type="none" w="med" len="med"/>
+            <a:tailEnd type="triangle" w="lg" len="lg"/>
+          </a:ln>
+        </p:spPr>
+        <p:style>
+          <a:lnRef idx="1">
+            <a:schemeClr val="accent1"/>
+          </a:lnRef>
+          <a:fillRef idx="0">
+            <a:schemeClr val="accent1"/>
+          </a:fillRef>
+          <a:effectRef idx="0">
+            <a:schemeClr val="accent1"/>
+          </a:effectRef>
+          <a:fontRef idx="minor">
+            <a:schemeClr val="tx1"/>
+          </a:fontRef>
+        </p:style>
+      </p:cxnSp>
+      <mc:AlternateContent xmlns:mc="http://schemas.openxmlformats.org/markup-compatibility/2006">
+        <mc:Choice xmlns:a14="http://schemas.microsoft.com/office/drawing/2010/main" Requires="a14">
+          <p:sp>
+            <p:nvSpPr>
+              <p:cNvPr id="29" name="TextBox 28">
+                <a:extLst>
+                  <a:ext uri="{FF2B5EF4-FFF2-40B4-BE49-F238E27FC236}">
+                    <a16:creationId xmlns:a16="http://schemas.microsoft.com/office/drawing/2014/main" id="{0B8F3CAD-9B9E-4106-850E-22E22F5A5064}"/>
+                  </a:ext>
+                </a:extLst>
+              </p:cNvPr>
+              <p:cNvSpPr txBox="1"/>
+              <p:nvPr/>
+            </p:nvSpPr>
+            <p:spPr>
+              <a:xfrm>
+                <a:off x="4646202" y="389431"/>
+                <a:ext cx="1214609" cy="523220"/>
+              </a:xfrm>
+              <a:prstGeom prst="rect">
+                <a:avLst/>
+              </a:prstGeom>
+              <a:noFill/>
+            </p:spPr>
+            <p:txBody>
+              <a:bodyPr wrap="square" rtlCol="0">
+                <a:spAutoFit/>
+              </a:bodyPr>
+              <a:lstStyle/>
+              <a:p>
+                <a:pPr/>
+                <a14:m>
+                  <m:oMathPara xmlns:m="http://schemas.openxmlformats.org/officeDocument/2006/math">
+                    <m:oMathParaPr>
+                      <m:jc m:val="left"/>
+                    </m:oMathParaPr>
+                    <m:oMath xmlns:m="http://schemas.openxmlformats.org/officeDocument/2006/math">
+                      <m:sSub>
+                        <m:sSubPr>
+                          <m:ctrlPr>
+                            <a:rPr lang="en-US" sz="2800" i="1" dirty="0" smtClean="0">
+                              <a:latin typeface="Cambria Math" panose="02040503050406030204" pitchFamily="18" charset="0"/>
+                            </a:rPr>
+                          </m:ctrlPr>
+                        </m:sSubPr>
+                        <m:e>
+                          <m:r>
+                            <a:rPr lang="en-US" sz="2800" b="1" i="1" dirty="0">
+                              <a:latin typeface="Cambria Math" panose="02040503050406030204" pitchFamily="18" charset="0"/>
+                            </a:rPr>
+                            <m:t>𝑿</m:t>
+                          </m:r>
+                        </m:e>
+                        <m:sub>
+                          <m:r>
+                            <a:rPr lang="en-US" sz="2800" b="0" i="1" dirty="0" smtClean="0">
+                              <a:latin typeface="Cambria Math" panose="02040503050406030204" pitchFamily="18" charset="0"/>
+                            </a:rPr>
+                            <m:t>1</m:t>
+                          </m:r>
+                        </m:sub>
+                      </m:sSub>
+                    </m:oMath>
+                  </m:oMathPara>
+                </a14:m>
+                <a:endParaRPr lang="en-US" sz="2800" dirty="0"/>
+              </a:p>
+            </p:txBody>
+          </p:sp>
+        </mc:Choice>
+        <mc:Fallback>
+          <p:sp>
+            <p:nvSpPr>
+              <p:cNvPr id="29" name="TextBox 28">
+                <a:extLst>
+                  <a:ext uri="{FF2B5EF4-FFF2-40B4-BE49-F238E27FC236}">
+                    <a16:creationId xmlns:a16="http://schemas.microsoft.com/office/drawing/2014/main" id="{0B8F3CAD-9B9E-4106-850E-22E22F5A5064}"/>
+                  </a:ext>
+                </a:extLst>
+              </p:cNvPr>
+              <p:cNvSpPr txBox="1">
+                <a:spLocks noRot="1" noChangeAspect="1" noMove="1" noResize="1" noEditPoints="1" noAdjustHandles="1" noChangeArrowheads="1" noChangeShapeType="1" noTextEdit="1"/>
+              </p:cNvSpPr>
+              <p:nvPr/>
+            </p:nvSpPr>
+            <p:spPr>
+              <a:xfrm>
+                <a:off x="4646202" y="389431"/>
+                <a:ext cx="1214609" cy="523220"/>
+              </a:xfrm>
+              <a:prstGeom prst="rect">
+                <a:avLst/>
+              </a:prstGeom>
+              <a:blipFill>
+                <a:blip r:embed="rId3"/>
+                <a:stretch>
+                  <a:fillRect/>
+                </a:stretch>
+              </a:blipFill>
+            </p:spPr>
+            <p:txBody>
+              <a:bodyPr/>
+              <a:lstStyle/>
+              <a:p>
+                <a:r>
+                  <a:rPr lang="en-US">
+                    <a:noFill/>
+                  </a:rPr>
+                  <a:t> </a:t>
+                </a:r>
+              </a:p>
+            </p:txBody>
+          </p:sp>
+        </mc:Fallback>
+      </mc:AlternateContent>
+      <mc:AlternateContent xmlns:mc="http://schemas.openxmlformats.org/markup-compatibility/2006" xmlns:a14="http://schemas.microsoft.com/office/drawing/2010/main">
+        <mc:Choice Requires="a14">
+          <p:sp>
+            <p:nvSpPr>
+              <p:cNvPr id="31" name="TextBox 30">
+                <a:extLst>
+                  <a:ext uri="{FF2B5EF4-FFF2-40B4-BE49-F238E27FC236}">
+                    <a16:creationId xmlns:a16="http://schemas.microsoft.com/office/drawing/2014/main" id="{462C0CA1-CADE-481F-A045-86A5B1B808B5}"/>
+                  </a:ext>
+                </a:extLst>
+              </p:cNvPr>
+              <p:cNvSpPr txBox="1"/>
+              <p:nvPr/>
+            </p:nvSpPr>
+            <p:spPr>
+              <a:xfrm>
+                <a:off x="3800764" y="164696"/>
+                <a:ext cx="534213" cy="523220"/>
+              </a:xfrm>
+              <a:prstGeom prst="rect">
+                <a:avLst/>
+              </a:prstGeom>
+              <a:noFill/>
+              <a:ln>
+                <a:noFill/>
+              </a:ln>
+            </p:spPr>
+            <p:txBody>
+              <a:bodyPr wrap="square" rtlCol="0">
+                <a:spAutoFit/>
+              </a:bodyPr>
+              <a:lstStyle/>
+              <a:p>
+                <a:pPr/>
+                <a14:m>
+                  <m:oMathPara xmlns:m="http://schemas.openxmlformats.org/officeDocument/2006/math">
+                    <m:oMathParaPr>
+                      <m:jc m:val="left"/>
+                    </m:oMathParaPr>
+                    <m:oMath xmlns:m="http://schemas.openxmlformats.org/officeDocument/2006/math">
+                      <m:sSub>
+                        <m:sSubPr>
+                          <m:ctrlPr>
+                            <a:rPr lang="en-US" sz="2800" i="1" dirty="0">
+                              <a:solidFill>
+                                <a:schemeClr val="accent2">
+                                  <a:lumMod val="75000"/>
+                                </a:schemeClr>
+                              </a:solidFill>
+                              <a:latin typeface="Cambria Math" panose="02040503050406030204" pitchFamily="18" charset="0"/>
+                            </a:rPr>
+                          </m:ctrlPr>
+                        </m:sSubPr>
+                        <m:e>
+                          <m:r>
+                            <a:rPr lang="en-US" sz="2800" b="1" i="1" dirty="0">
+                              <a:solidFill>
+                                <a:schemeClr val="accent2">
+                                  <a:lumMod val="75000"/>
+                                </a:schemeClr>
+                              </a:solidFill>
+                              <a:latin typeface="Cambria Math" panose="02040503050406030204" pitchFamily="18" charset="0"/>
+                            </a:rPr>
+                            <m:t>𝑭</m:t>
+                          </m:r>
+                        </m:e>
+                        <m:sub>
+                          <m:r>
+                            <a:rPr lang="en-US" sz="2800" i="1" dirty="0">
+                              <a:solidFill>
+                                <a:schemeClr val="accent2">
+                                  <a:lumMod val="75000"/>
+                                </a:schemeClr>
+                              </a:solidFill>
+                              <a:latin typeface="Cambria Math" panose="02040503050406030204" pitchFamily="18" charset="0"/>
+                            </a:rPr>
+                            <m:t>1</m:t>
+                          </m:r>
+                        </m:sub>
+                      </m:sSub>
+                    </m:oMath>
+                  </m:oMathPara>
+                </a14:m>
+                <a:endParaRPr lang="en-US" sz="2800" dirty="0">
+                  <a:solidFill>
+                    <a:schemeClr val="accent2">
+                      <a:lumMod val="75000"/>
+                    </a:schemeClr>
+                  </a:solidFill>
+                </a:endParaRPr>
+              </a:p>
+            </p:txBody>
+          </p:sp>
+        </mc:Choice>
+        <mc:Fallback xmlns="">
+          <p:sp>
+            <p:nvSpPr>
+              <p:cNvPr id="31" name="TextBox 30">
+                <a:extLst>
+                  <a:ext uri="{FF2B5EF4-FFF2-40B4-BE49-F238E27FC236}">
+                    <a16:creationId xmlns:a16="http://schemas.microsoft.com/office/drawing/2014/main" id="{462C0CA1-CADE-481F-A045-86A5B1B808B5}"/>
+                  </a:ext>
+                </a:extLst>
+              </p:cNvPr>
+              <p:cNvSpPr txBox="1">
+                <a:spLocks noRot="1" noChangeAspect="1" noMove="1" noResize="1" noEditPoints="1" noAdjustHandles="1" noChangeArrowheads="1" noChangeShapeType="1" noTextEdit="1"/>
+              </p:cNvSpPr>
+              <p:nvPr/>
+            </p:nvSpPr>
+            <p:spPr>
+              <a:xfrm>
+                <a:off x="3800764" y="164696"/>
+                <a:ext cx="534213" cy="523220"/>
+              </a:xfrm>
+              <a:prstGeom prst="rect">
+                <a:avLst/>
+              </a:prstGeom>
+              <a:blipFill>
+                <a:blip r:embed="rId4"/>
+                <a:stretch>
+                  <a:fillRect/>
+                </a:stretch>
+              </a:blipFill>
+              <a:ln>
+                <a:noFill/>
+              </a:ln>
+            </p:spPr>
+            <p:txBody>
+              <a:bodyPr/>
+              <a:lstStyle/>
+              <a:p>
+                <a:r>
+                  <a:rPr lang="en-US">
+                    <a:noFill/>
+                  </a:rPr>
+                  <a:t> </a:t>
+                </a:r>
+              </a:p>
+            </p:txBody>
+          </p:sp>
+        </mc:Fallback>
+      </mc:AlternateContent>
+    </p:spTree>
+    <p:extLst>
+      <p:ext uri="{BB962C8B-B14F-4D97-AF65-F5344CB8AC3E}">
+        <p14:creationId xmlns:p14="http://schemas.microsoft.com/office/powerpoint/2010/main" val="2397051051"/>
       </p:ext>
     </p:extLst>
   </p:cSld>

--- a/JFM/figs/displace.pptx
+++ b/JFM/figs/displace.pptx
@@ -244,7 +244,7 @@
           <a:p>
             <a:fld id="{752C0650-E0BA-4E3B-8377-4B12102A54B3}" type="datetimeFigureOut">
               <a:rPr lang="en-US" smtClean="0"/>
-              <a:t>12/20/2021</a:t>
+              <a:t>1/11/2022</a:t>
             </a:fld>
             <a:endParaRPr lang="en-US"/>
           </a:p>
@@ -414,7 +414,7 @@
           <a:p>
             <a:fld id="{752C0650-E0BA-4E3B-8377-4B12102A54B3}" type="datetimeFigureOut">
               <a:rPr lang="en-US" smtClean="0"/>
-              <a:t>12/20/2021</a:t>
+              <a:t>1/11/2022</a:t>
             </a:fld>
             <a:endParaRPr lang="en-US"/>
           </a:p>
@@ -594,7 +594,7 @@
           <a:p>
             <a:fld id="{752C0650-E0BA-4E3B-8377-4B12102A54B3}" type="datetimeFigureOut">
               <a:rPr lang="en-US" smtClean="0"/>
-              <a:t>12/20/2021</a:t>
+              <a:t>1/11/2022</a:t>
             </a:fld>
             <a:endParaRPr lang="en-US"/>
           </a:p>
@@ -764,7 +764,7 @@
           <a:p>
             <a:fld id="{752C0650-E0BA-4E3B-8377-4B12102A54B3}" type="datetimeFigureOut">
               <a:rPr lang="en-US" smtClean="0"/>
-              <a:t>12/20/2021</a:t>
+              <a:t>1/11/2022</a:t>
             </a:fld>
             <a:endParaRPr lang="en-US"/>
           </a:p>
@@ -1010,7 +1010,7 @@
           <a:p>
             <a:fld id="{752C0650-E0BA-4E3B-8377-4B12102A54B3}" type="datetimeFigureOut">
               <a:rPr lang="en-US" smtClean="0"/>
-              <a:t>12/20/2021</a:t>
+              <a:t>1/11/2022</a:t>
             </a:fld>
             <a:endParaRPr lang="en-US"/>
           </a:p>
@@ -1242,7 +1242,7 @@
           <a:p>
             <a:fld id="{752C0650-E0BA-4E3B-8377-4B12102A54B3}" type="datetimeFigureOut">
               <a:rPr lang="en-US" smtClean="0"/>
-              <a:t>12/20/2021</a:t>
+              <a:t>1/11/2022</a:t>
             </a:fld>
             <a:endParaRPr lang="en-US"/>
           </a:p>
@@ -1609,7 +1609,7 @@
           <a:p>
             <a:fld id="{752C0650-E0BA-4E3B-8377-4B12102A54B3}" type="datetimeFigureOut">
               <a:rPr lang="en-US" smtClean="0"/>
-              <a:t>12/20/2021</a:t>
+              <a:t>1/11/2022</a:t>
             </a:fld>
             <a:endParaRPr lang="en-US"/>
           </a:p>
@@ -1727,7 +1727,7 @@
           <a:p>
             <a:fld id="{752C0650-E0BA-4E3B-8377-4B12102A54B3}" type="datetimeFigureOut">
               <a:rPr lang="en-US" smtClean="0"/>
-              <a:t>12/20/2021</a:t>
+              <a:t>1/11/2022</a:t>
             </a:fld>
             <a:endParaRPr lang="en-US"/>
           </a:p>
@@ -1822,7 +1822,7 @@
           <a:p>
             <a:fld id="{752C0650-E0BA-4E3B-8377-4B12102A54B3}" type="datetimeFigureOut">
               <a:rPr lang="en-US" smtClean="0"/>
-              <a:t>12/20/2021</a:t>
+              <a:t>1/11/2022</a:t>
             </a:fld>
             <a:endParaRPr lang="en-US"/>
           </a:p>
@@ -2099,7 +2099,7 @@
           <a:p>
             <a:fld id="{752C0650-E0BA-4E3B-8377-4B12102A54B3}" type="datetimeFigureOut">
               <a:rPr lang="en-US" smtClean="0"/>
-              <a:t>12/20/2021</a:t>
+              <a:t>1/11/2022</a:t>
             </a:fld>
             <a:endParaRPr lang="en-US"/>
           </a:p>
@@ -2356,7 +2356,7 @@
           <a:p>
             <a:fld id="{752C0650-E0BA-4E3B-8377-4B12102A54B3}" type="datetimeFigureOut">
               <a:rPr lang="en-US" smtClean="0"/>
-              <a:t>12/20/2021</a:t>
+              <a:t>1/11/2022</a:t>
             </a:fld>
             <a:endParaRPr lang="en-US"/>
           </a:p>
@@ -2569,7 +2569,7 @@
           <a:p>
             <a:fld id="{752C0650-E0BA-4E3B-8377-4B12102A54B3}" type="datetimeFigureOut">
               <a:rPr lang="en-US" smtClean="0"/>
-              <a:t>12/20/2021</a:t>
+              <a:t>1/11/2022</a:t>
             </a:fld>
             <a:endParaRPr lang="en-US"/>
           </a:p>
@@ -3030,8 +3030,8 @@
           </a:p>
         </p:txBody>
       </p:sp>
-      <mc:AlternateContent xmlns:mc="http://schemas.openxmlformats.org/markup-compatibility/2006">
-        <mc:Choice xmlns:a14="http://schemas.microsoft.com/office/drawing/2010/main" Requires="a14">
+      <mc:AlternateContent xmlns:mc="http://schemas.openxmlformats.org/markup-compatibility/2006" xmlns:a14="http://schemas.microsoft.com/office/drawing/2010/main">
+        <mc:Choice Requires="a14">
           <p:sp>
             <p:nvSpPr>
               <p:cNvPr id="15" name="TextBox 14">
@@ -3088,7 +3088,7 @@
             </p:txBody>
           </p:sp>
         </mc:Choice>
-        <mc:Fallback>
+        <mc:Fallback xmlns="">
           <p:sp>
             <p:nvSpPr>
               <p:cNvPr id="15" name="TextBox 14">
@@ -3374,8 +3374,8 @@
           </a:fontRef>
         </p:style>
       </p:cxnSp>
-      <mc:AlternateContent xmlns:mc="http://schemas.openxmlformats.org/markup-compatibility/2006">
-        <mc:Choice xmlns:a14="http://schemas.microsoft.com/office/drawing/2010/main" Requires="a14">
+      <mc:AlternateContent xmlns:mc="http://schemas.openxmlformats.org/markup-compatibility/2006" xmlns:a14="http://schemas.microsoft.com/office/drawing/2010/main">
+        <mc:Choice Requires="a14">
           <p:sp>
             <p:nvSpPr>
               <p:cNvPr id="28" name="TextBox 27">
@@ -3444,7 +3444,7 @@
             </p:txBody>
           </p:sp>
         </mc:Choice>
-        <mc:Fallback>
+        <mc:Fallback xmlns="">
           <p:sp>
             <p:nvSpPr>
               <p:cNvPr id="28" name="TextBox 27">
@@ -3679,8 +3679,8 @@
           </a:fontRef>
         </p:style>
       </p:cxnSp>
-      <mc:AlternateContent xmlns:mc="http://schemas.openxmlformats.org/markup-compatibility/2006" xmlns:a14="http://schemas.microsoft.com/office/drawing/2010/main">
-        <mc:Choice Requires="a14">
+      <mc:AlternateContent xmlns:mc="http://schemas.openxmlformats.org/markup-compatibility/2006">
+        <mc:Choice xmlns:a14="http://schemas.microsoft.com/office/drawing/2010/main" Requires="a14">
           <p:sp>
             <p:nvSpPr>
               <p:cNvPr id="36" name="TextBox 35">
@@ -3717,7 +3717,7 @@
                     </m:oMathParaPr>
                     <m:oMath xmlns:m="http://schemas.openxmlformats.org/officeDocument/2006/math">
                       <m:r>
-                        <a:rPr lang="en-US" sz="2800" i="1">
+                        <a:rPr lang="en-US" sz="2800" i="1" smtClean="0">
                           <a:solidFill>
                             <a:schemeClr val="accent1"/>
                           </a:solidFill>
@@ -3726,7 +3726,7 @@
                         <m:t>𝑞</m:t>
                       </m:r>
                       <m:r>
-                        <a:rPr lang="en-US" sz="2800" i="1">
+                        <a:rPr lang="en-US" sz="2800" i="1" smtClean="0">
                           <a:solidFill>
                             <a:schemeClr val="accent1"/>
                           </a:solidFill>
@@ -3758,10 +3758,28 @@
                           </m:r>
                         </m:e>
                       </m:acc>
+                      <m:r>
+                        <a:rPr lang="en-US" sz="2800" b="1" i="1" smtClean="0">
+                          <a:solidFill>
+                            <a:schemeClr val="accent1"/>
+                          </a:solidFill>
+                          <a:latin typeface="Cambria Math" panose="02040503050406030204" pitchFamily="18" charset="0"/>
+                        </a:rPr>
+                        <m:t> </m:t>
+                      </m:r>
+                      <m:r>
+                        <a:rPr lang="en-US" sz="2800" b="0" i="1" smtClean="0">
+                          <a:solidFill>
+                            <a:schemeClr val="accent1"/>
+                          </a:solidFill>
+                          <a:latin typeface="Cambria Math" panose="02040503050406030204" pitchFamily="18" charset="0"/>
+                        </a:rPr>
+                        <m:t>𝑑𝑡</m:t>
+                      </m:r>
                     </m:oMath>
                   </m:oMathPara>
                 </a14:m>
-                <a:endParaRPr lang="en-US" sz="2800" b="1" dirty="0">
+                <a:endParaRPr lang="en-US" sz="2800" dirty="0">
                   <a:solidFill>
                     <a:schemeClr val="accent1"/>
                   </a:solidFill>
@@ -3770,7 +3788,7 @@
             </p:txBody>
           </p:sp>
         </mc:Choice>
-        <mc:Fallback xmlns="">
+        <mc:Fallback>
           <p:sp>
             <p:nvSpPr>
               <p:cNvPr id="36" name="TextBox 35">
@@ -4276,8 +4294,8 @@
           </a:p>
         </p:txBody>
       </p:sp>
-      <mc:AlternateContent xmlns:mc="http://schemas.openxmlformats.org/markup-compatibility/2006">
-        <mc:Choice xmlns:a14="http://schemas.microsoft.com/office/drawing/2010/main" Requires="a14">
+      <mc:AlternateContent xmlns:mc="http://schemas.openxmlformats.org/markup-compatibility/2006" xmlns:a14="http://schemas.microsoft.com/office/drawing/2010/main">
+        <mc:Choice Requires="a14">
           <p:sp>
             <p:nvSpPr>
               <p:cNvPr id="7" name="TextBox 6">
@@ -4334,7 +4352,7 @@
             </p:txBody>
           </p:sp>
         </mc:Choice>
-        <mc:Fallback>
+        <mc:Fallback xmlns="">
           <p:sp>
             <p:nvSpPr>
               <p:cNvPr id="7" name="TextBox 6">
@@ -4567,8 +4585,8 @@
           </a:fontRef>
         </p:style>
       </p:cxnSp>
-      <mc:AlternateContent xmlns:mc="http://schemas.openxmlformats.org/markup-compatibility/2006">
-        <mc:Choice xmlns:a14="http://schemas.microsoft.com/office/drawing/2010/main" Requires="a14">
+      <mc:AlternateContent xmlns:mc="http://schemas.openxmlformats.org/markup-compatibility/2006" xmlns:a14="http://schemas.microsoft.com/office/drawing/2010/main">
+        <mc:Choice Requires="a14">
           <p:sp>
             <p:nvSpPr>
               <p:cNvPr id="29" name="TextBox 28">
@@ -4637,7 +4655,7 @@
             </p:txBody>
           </p:sp>
         </mc:Choice>
-        <mc:Fallback>
+        <mc:Fallback xmlns="">
           <p:sp>
             <p:nvSpPr>
               <p:cNvPr id="29" name="TextBox 28">

--- a/JFM/figs/displace.pptx
+++ b/JFM/figs/displace.pptx
@@ -244,7 +244,7 @@
           <a:p>
             <a:fld id="{752C0650-E0BA-4E3B-8377-4B12102A54B3}" type="datetimeFigureOut">
               <a:rPr lang="en-US" smtClean="0"/>
-              <a:t>1/11/2022</a:t>
+              <a:t>3/7/2022</a:t>
             </a:fld>
             <a:endParaRPr lang="en-US"/>
           </a:p>
@@ -414,7 +414,7 @@
           <a:p>
             <a:fld id="{752C0650-E0BA-4E3B-8377-4B12102A54B3}" type="datetimeFigureOut">
               <a:rPr lang="en-US" smtClean="0"/>
-              <a:t>1/11/2022</a:t>
+              <a:t>3/7/2022</a:t>
             </a:fld>
             <a:endParaRPr lang="en-US"/>
           </a:p>
@@ -594,7 +594,7 @@
           <a:p>
             <a:fld id="{752C0650-E0BA-4E3B-8377-4B12102A54B3}" type="datetimeFigureOut">
               <a:rPr lang="en-US" smtClean="0"/>
-              <a:t>1/11/2022</a:t>
+              <a:t>3/7/2022</a:t>
             </a:fld>
             <a:endParaRPr lang="en-US"/>
           </a:p>
@@ -764,7 +764,7 @@
           <a:p>
             <a:fld id="{752C0650-E0BA-4E3B-8377-4B12102A54B3}" type="datetimeFigureOut">
               <a:rPr lang="en-US" smtClean="0"/>
-              <a:t>1/11/2022</a:t>
+              <a:t>3/7/2022</a:t>
             </a:fld>
             <a:endParaRPr lang="en-US"/>
           </a:p>
@@ -1010,7 +1010,7 @@
           <a:p>
             <a:fld id="{752C0650-E0BA-4E3B-8377-4B12102A54B3}" type="datetimeFigureOut">
               <a:rPr lang="en-US" smtClean="0"/>
-              <a:t>1/11/2022</a:t>
+              <a:t>3/7/2022</a:t>
             </a:fld>
             <a:endParaRPr lang="en-US"/>
           </a:p>
@@ -1242,7 +1242,7 @@
           <a:p>
             <a:fld id="{752C0650-E0BA-4E3B-8377-4B12102A54B3}" type="datetimeFigureOut">
               <a:rPr lang="en-US" smtClean="0"/>
-              <a:t>1/11/2022</a:t>
+              <a:t>3/7/2022</a:t>
             </a:fld>
             <a:endParaRPr lang="en-US"/>
           </a:p>
@@ -1609,7 +1609,7 @@
           <a:p>
             <a:fld id="{752C0650-E0BA-4E3B-8377-4B12102A54B3}" type="datetimeFigureOut">
               <a:rPr lang="en-US" smtClean="0"/>
-              <a:t>1/11/2022</a:t>
+              <a:t>3/7/2022</a:t>
             </a:fld>
             <a:endParaRPr lang="en-US"/>
           </a:p>
@@ -1727,7 +1727,7 @@
           <a:p>
             <a:fld id="{752C0650-E0BA-4E3B-8377-4B12102A54B3}" type="datetimeFigureOut">
               <a:rPr lang="en-US" smtClean="0"/>
-              <a:t>1/11/2022</a:t>
+              <a:t>3/7/2022</a:t>
             </a:fld>
             <a:endParaRPr lang="en-US"/>
           </a:p>
@@ -1822,7 +1822,7 @@
           <a:p>
             <a:fld id="{752C0650-E0BA-4E3B-8377-4B12102A54B3}" type="datetimeFigureOut">
               <a:rPr lang="en-US" smtClean="0"/>
-              <a:t>1/11/2022</a:t>
+              <a:t>3/7/2022</a:t>
             </a:fld>
             <a:endParaRPr lang="en-US"/>
           </a:p>
@@ -2099,7 +2099,7 @@
           <a:p>
             <a:fld id="{752C0650-E0BA-4E3B-8377-4B12102A54B3}" type="datetimeFigureOut">
               <a:rPr lang="en-US" smtClean="0"/>
-              <a:t>1/11/2022</a:t>
+              <a:t>3/7/2022</a:t>
             </a:fld>
             <a:endParaRPr lang="en-US"/>
           </a:p>
@@ -2356,7 +2356,7 @@
           <a:p>
             <a:fld id="{752C0650-E0BA-4E3B-8377-4B12102A54B3}" type="datetimeFigureOut">
               <a:rPr lang="en-US" smtClean="0"/>
-              <a:t>1/11/2022</a:t>
+              <a:t>3/7/2022</a:t>
             </a:fld>
             <a:endParaRPr lang="en-US"/>
           </a:p>
@@ -2569,7 +2569,7 @@
           <a:p>
             <a:fld id="{752C0650-E0BA-4E3B-8377-4B12102A54B3}" type="datetimeFigureOut">
               <a:rPr lang="en-US" smtClean="0"/>
-              <a:t>1/11/2022</a:t>
+              <a:t>3/7/2022</a:t>
             </a:fld>
             <a:endParaRPr lang="en-US"/>
           </a:p>
@@ -3695,7 +3695,7 @@
             </p:nvSpPr>
             <p:spPr>
               <a:xfrm>
-                <a:off x="4202720" y="1172031"/>
+                <a:off x="4277597" y="1490483"/>
                 <a:ext cx="1104958" cy="534762"/>
               </a:xfrm>
               <a:prstGeom prst="rect">
@@ -3716,65 +3716,48 @@
                       <m:jc m:val="left"/>
                     </m:oMathParaPr>
                     <m:oMath xmlns:m="http://schemas.openxmlformats.org/officeDocument/2006/math">
-                      <m:r>
-                        <a:rPr lang="en-US" sz="2800" i="1" smtClean="0">
-                          <a:solidFill>
-                            <a:schemeClr val="accent1"/>
-                          </a:solidFill>
-                          <a:latin typeface="Cambria Math" panose="02040503050406030204" pitchFamily="18" charset="0"/>
-                        </a:rPr>
-                        <m:t>𝑞</m:t>
-                      </m:r>
-                      <m:r>
-                        <a:rPr lang="en-US" sz="2800" i="1" smtClean="0">
-                          <a:solidFill>
-                            <a:schemeClr val="accent1"/>
-                          </a:solidFill>
-                          <a:latin typeface="Cambria Math" panose="02040503050406030204" pitchFamily="18" charset="0"/>
-                        </a:rPr>
-                        <m:t> </m:t>
-                      </m:r>
-                      <m:acc>
-                        <m:accPr>
-                          <m:chr m:val="̂"/>
+                      <m:sSub>
+                        <m:sSubPr>
                           <m:ctrlPr>
-                            <a:rPr lang="en-US" sz="2800" b="1" i="1">
+                            <a:rPr lang="en-US" sz="2800" b="1" i="1" smtClean="0">
                               <a:solidFill>
-                                <a:schemeClr val="accent1"/>
+                                <a:schemeClr val="tx1"/>
                               </a:solidFill>
                               <a:latin typeface="Cambria Math" panose="02040503050406030204" pitchFamily="18" charset="0"/>
                             </a:rPr>
                           </m:ctrlPr>
-                        </m:accPr>
+                        </m:sSubPr>
                         <m:e>
                           <m:r>
-                            <a:rPr lang="en-US" sz="2800" b="1" i="1">
+                            <a:rPr lang="en-US" sz="2800" b="1" i="1" smtClean="0">
                               <a:solidFill>
-                                <a:schemeClr val="accent1"/>
+                                <a:schemeClr val="tx1"/>
                               </a:solidFill>
                               <a:latin typeface="Cambria Math" panose="02040503050406030204" pitchFamily="18" charset="0"/>
                             </a:rPr>
-                            <m:t>𝑻</m:t>
+                            <m:t>𝑿</m:t>
                           </m:r>
                         </m:e>
-                      </m:acc>
+                        <m:sub>
+                          <m:r>
+                            <a:rPr lang="en-US" sz="2800" b="0" i="1" smtClean="0">
+                              <a:solidFill>
+                                <a:schemeClr val="tx1"/>
+                              </a:solidFill>
+                              <a:latin typeface="Cambria Math" panose="02040503050406030204" pitchFamily="18" charset="0"/>
+                            </a:rPr>
+                            <m:t>1</m:t>
+                          </m:r>
+                        </m:sub>
+                      </m:sSub>
                       <m:r>
-                        <a:rPr lang="en-US" sz="2800" b="1" i="1" smtClean="0">
+                        <a:rPr lang="en-US" sz="2800" b="0" i="1" smtClean="0">
                           <a:solidFill>
-                            <a:schemeClr val="accent1"/>
+                            <a:schemeClr val="tx1"/>
                           </a:solidFill>
                           <a:latin typeface="Cambria Math" panose="02040503050406030204" pitchFamily="18" charset="0"/>
                         </a:rPr>
-                        <m:t> </m:t>
-                      </m:r>
-                      <m:r>
-                        <a:rPr lang="en-US" sz="2800" b="0" i="1" smtClean="0">
-                          <a:solidFill>
-                            <a:schemeClr val="accent1"/>
-                          </a:solidFill>
-                          <a:latin typeface="Cambria Math" panose="02040503050406030204" pitchFamily="18" charset="0"/>
-                        </a:rPr>
-                        <m:t>𝑑𝑡</m:t>
+                        <m:t>′</m:t>
                       </m:r>
                     </m:oMath>
                   </m:oMathPara>
@@ -3805,7 +3788,7 @@
             </p:nvSpPr>
             <p:spPr>
               <a:xfrm>
-                <a:off x="4202720" y="1172031"/>
+                <a:off x="4277597" y="1490483"/>
                 <a:ext cx="1104958" cy="534762"/>
               </a:xfrm>
               <a:prstGeom prst="rect">
@@ -3936,18 +3919,16 @@
           <p:nvPr/>
         </p:nvCxnSpPr>
         <p:spPr>
-          <a:xfrm>
-            <a:off x="5753968" y="583359"/>
-            <a:ext cx="0" cy="432967"/>
+          <a:xfrm flipV="1">
+            <a:off x="5756237" y="587956"/>
+            <a:ext cx="0" cy="428368"/>
           </a:xfrm>
           <a:prstGeom prst="line">
             <a:avLst/>
           </a:prstGeom>
           <a:ln w="38100">
             <a:solidFill>
-              <a:schemeClr val="accent2">
-                <a:lumMod val="75000"/>
-              </a:schemeClr>
+              <a:schemeClr val="tx1"/>
             </a:solidFill>
             <a:prstDash val="solid"/>
             <a:headEnd type="triangle" w="med" len="med"/>
@@ -3969,8 +3950,8 @@
           </a:fontRef>
         </p:style>
       </p:cxnSp>
-      <mc:AlternateContent xmlns:mc="http://schemas.openxmlformats.org/markup-compatibility/2006" xmlns:a14="http://schemas.microsoft.com/office/drawing/2010/main">
-        <mc:Choice Requires="a14">
+      <mc:AlternateContent xmlns:mc="http://schemas.openxmlformats.org/markup-compatibility/2006">
+        <mc:Choice xmlns:a14="http://schemas.microsoft.com/office/drawing/2010/main" Requires="a14">
           <p:sp>
             <p:nvSpPr>
               <p:cNvPr id="48" name="TextBox 47">
@@ -3985,8 +3966,8 @@
             </p:nvSpPr>
             <p:spPr>
               <a:xfrm>
-                <a:off x="5848321" y="520983"/>
-                <a:ext cx="1104958" cy="557717"/>
+                <a:off x="5848321" y="469115"/>
+                <a:ext cx="1104958" cy="523220"/>
               </a:xfrm>
               <a:prstGeom prst="rect">
                 <a:avLst/>
@@ -4018,61 +3999,28 @@
                       <m:jc m:val="left"/>
                     </m:oMathParaPr>
                     <m:oMath xmlns:m="http://schemas.openxmlformats.org/officeDocument/2006/math">
-                      <m:sSub>
-                        <m:sSubPr>
-                          <m:ctrlPr>
-                            <a:rPr lang="en-US" i="1">
-                              <a:solidFill>
-                                <a:schemeClr val="accent2">
-                                  <a:lumMod val="75000"/>
-                                </a:schemeClr>
-                              </a:solidFill>
-                              <a:latin typeface="Cambria Math" panose="02040503050406030204" pitchFamily="18" charset="0"/>
-                            </a:rPr>
-                          </m:ctrlPr>
-                        </m:sSubPr>
-                        <m:e>
-                          <m:r>
-                            <a:rPr lang="en-US" b="1">
-                              <a:solidFill>
-                                <a:schemeClr val="accent2">
-                                  <a:lumMod val="75000"/>
-                                </a:schemeClr>
-                              </a:solidFill>
-                              <a:latin typeface="Cambria Math" panose="02040503050406030204" pitchFamily="18" charset="0"/>
-                            </a:rPr>
-                            <m:t>𝑭</m:t>
-                          </m:r>
-                        </m:e>
-                        <m:sub>
-                          <m:r>
-                            <a:rPr lang="en-US">
-                              <a:solidFill>
-                                <a:schemeClr val="accent2">
-                                  <a:lumMod val="75000"/>
-                                </a:schemeClr>
-                              </a:solidFill>
-                              <a:latin typeface="Cambria Math" panose="02040503050406030204" pitchFamily="18" charset="0"/>
-                            </a:rPr>
-                            <m:t>𝑓</m:t>
-                          </m:r>
-                        </m:sub>
-                      </m:sSub>
+                      <m:r>
+                        <a:rPr lang="en-US" b="0" i="1" smtClean="0">
+                          <a:solidFill>
+                            <a:schemeClr val="tx1"/>
+                          </a:solidFill>
+                          <a:latin typeface="Cambria Math" panose="02040503050406030204" pitchFamily="18" charset="0"/>
+                        </a:rPr>
+                        <m:t>𝑞</m:t>
+                      </m:r>
                     </m:oMath>
                   </m:oMathPara>
                 </a14:m>
                 <a:endParaRPr lang="en-US" dirty="0">
                   <a:solidFill>
-                    <a:schemeClr val="accent2">
-                      <a:lumMod val="75000"/>
-                    </a:schemeClr>
+                    <a:schemeClr val="tx1"/>
                   </a:solidFill>
                 </a:endParaRPr>
               </a:p>
             </p:txBody>
           </p:sp>
         </mc:Choice>
-        <mc:Fallback xmlns="">
+        <mc:Fallback>
           <p:sp>
             <p:nvSpPr>
               <p:cNvPr id="48" name="TextBox 47">
@@ -4089,8 +4037,8 @@
             </p:nvSpPr>
             <p:spPr>
               <a:xfrm>
-                <a:off x="5848321" y="520983"/>
-                <a:ext cx="1104958" cy="557717"/>
+                <a:off x="5848321" y="469115"/>
+                <a:ext cx="1104958" cy="523220"/>
               </a:xfrm>
               <a:prstGeom prst="rect">
                 <a:avLst/>
@@ -4842,6 +4790,258 @@
           </p:sp>
         </mc:Fallback>
       </mc:AlternateContent>
+      <p:cxnSp>
+        <p:nvCxnSpPr>
+          <p:cNvPr id="10" name="Straight Connector 9">
+            <a:extLst>
+              <a:ext uri="{FF2B5EF4-FFF2-40B4-BE49-F238E27FC236}">
+                <a16:creationId xmlns:a16="http://schemas.microsoft.com/office/drawing/2014/main" id="{FB106E4B-7839-42A9-B193-7573B4257522}"/>
+              </a:ext>
+            </a:extLst>
+          </p:cNvPr>
+          <p:cNvCxnSpPr>
+            <a:cxnSpLocks/>
+          </p:cNvCxnSpPr>
+          <p:nvPr/>
+        </p:nvCxnSpPr>
+        <p:spPr>
+          <a:xfrm>
+            <a:off x="5637217" y="1019027"/>
+            <a:ext cx="233511" cy="0"/>
+          </a:xfrm>
+          <a:prstGeom prst="line">
+            <a:avLst/>
+          </a:prstGeom>
+          <a:ln w="25400">
+            <a:solidFill>
+              <a:schemeClr val="tx1"/>
+            </a:solidFill>
+            <a:prstDash val="solid"/>
+          </a:ln>
+        </p:spPr>
+        <p:style>
+          <a:lnRef idx="1">
+            <a:schemeClr val="accent1"/>
+          </a:lnRef>
+          <a:fillRef idx="0">
+            <a:schemeClr val="accent1"/>
+          </a:fillRef>
+          <a:effectRef idx="0">
+            <a:schemeClr val="accent1"/>
+          </a:effectRef>
+          <a:fontRef idx="minor">
+            <a:schemeClr val="tx1"/>
+          </a:fontRef>
+        </p:style>
+      </p:cxnSp>
+      <p:cxnSp>
+        <p:nvCxnSpPr>
+          <p:cNvPr id="12" name="Straight Connector 11">
+            <a:extLst>
+              <a:ext uri="{FF2B5EF4-FFF2-40B4-BE49-F238E27FC236}">
+                <a16:creationId xmlns:a16="http://schemas.microsoft.com/office/drawing/2014/main" id="{4959CF22-E2EB-4C03-8C49-1FB6FFE9AF3B}"/>
+              </a:ext>
+            </a:extLst>
+          </p:cNvPr>
+          <p:cNvCxnSpPr>
+            <a:cxnSpLocks/>
+          </p:cNvCxnSpPr>
+          <p:nvPr/>
+        </p:nvCxnSpPr>
+        <p:spPr>
+          <a:xfrm>
+            <a:off x="5637215" y="587420"/>
+            <a:ext cx="233506" cy="0"/>
+          </a:xfrm>
+          <a:prstGeom prst="line">
+            <a:avLst/>
+          </a:prstGeom>
+          <a:ln w="25400">
+            <a:solidFill>
+              <a:schemeClr val="tx1"/>
+            </a:solidFill>
+            <a:prstDash val="solid"/>
+          </a:ln>
+        </p:spPr>
+        <p:style>
+          <a:lnRef idx="1">
+            <a:schemeClr val="accent1"/>
+          </a:lnRef>
+          <a:fillRef idx="0">
+            <a:schemeClr val="accent1"/>
+          </a:fillRef>
+          <a:effectRef idx="0">
+            <a:schemeClr val="accent1"/>
+          </a:effectRef>
+          <a:fontRef idx="minor">
+            <a:schemeClr val="tx1"/>
+          </a:fontRef>
+        </p:style>
+      </p:cxnSp>
+      <p:cxnSp>
+        <p:nvCxnSpPr>
+          <p:cNvPr id="13" name="Straight Connector 12">
+            <a:extLst>
+              <a:ext uri="{FF2B5EF4-FFF2-40B4-BE49-F238E27FC236}">
+                <a16:creationId xmlns:a16="http://schemas.microsoft.com/office/drawing/2014/main" id="{8C6511BB-C85C-4511-9565-56F17D8BAC9A}"/>
+              </a:ext>
+            </a:extLst>
+          </p:cNvPr>
+          <p:cNvCxnSpPr>
+            <a:cxnSpLocks/>
+          </p:cNvCxnSpPr>
+          <p:nvPr/>
+        </p:nvCxnSpPr>
+        <p:spPr>
+          <a:xfrm flipV="1">
+            <a:off x="5756237" y="587956"/>
+            <a:ext cx="0" cy="428368"/>
+          </a:xfrm>
+          <a:prstGeom prst="line">
+            <a:avLst/>
+          </a:prstGeom>
+          <a:ln w="38100">
+            <a:solidFill>
+              <a:schemeClr val="tx1"/>
+            </a:solidFill>
+            <a:prstDash val="solid"/>
+            <a:headEnd type="triangle" w="med" len="med"/>
+            <a:tailEnd type="none" w="med" len="med"/>
+          </a:ln>
+        </p:spPr>
+        <p:style>
+          <a:lnRef idx="1">
+            <a:schemeClr val="accent1"/>
+          </a:lnRef>
+          <a:fillRef idx="0">
+            <a:schemeClr val="accent1"/>
+          </a:fillRef>
+          <a:effectRef idx="0">
+            <a:schemeClr val="accent1"/>
+          </a:effectRef>
+          <a:fontRef idx="minor">
+            <a:schemeClr val="tx1"/>
+          </a:fontRef>
+        </p:style>
+      </p:cxnSp>
+      <mc:AlternateContent xmlns:mc="http://schemas.openxmlformats.org/markup-compatibility/2006">
+        <mc:Choice xmlns:a14="http://schemas.microsoft.com/office/drawing/2010/main" Requires="a14">
+          <p:sp>
+            <p:nvSpPr>
+              <p:cNvPr id="14" name="TextBox 13">
+                <a:extLst>
+                  <a:ext uri="{FF2B5EF4-FFF2-40B4-BE49-F238E27FC236}">
+                    <a16:creationId xmlns:a16="http://schemas.microsoft.com/office/drawing/2014/main" id="{4C30BDE9-E196-4356-B684-FB78388923A5}"/>
+                  </a:ext>
+                </a:extLst>
+              </p:cNvPr>
+              <p:cNvSpPr txBox="1"/>
+              <p:nvPr/>
+            </p:nvSpPr>
+            <p:spPr>
+              <a:xfrm>
+                <a:off x="5848321" y="469115"/>
+                <a:ext cx="1104958" cy="523220"/>
+              </a:xfrm>
+              <a:prstGeom prst="rect">
+                <a:avLst/>
+              </a:prstGeom>
+              <a:noFill/>
+              <a:ln>
+                <a:noFill/>
+              </a:ln>
+            </p:spPr>
+            <p:txBody>
+              <a:bodyPr wrap="square" rtlCol="0">
+                <a:spAutoFit/>
+              </a:bodyPr>
+              <a:lstStyle>
+                <a:defPPr>
+                  <a:defRPr lang="en-US"/>
+                </a:defPPr>
+                <a:lvl1pPr>
+                  <a:defRPr sz="2800" b="0" i="1">
+                    <a:latin typeface="Cambria Math" panose="02040503050406030204" pitchFamily="18" charset="0"/>
+                  </a:defRPr>
+                </a:lvl1pPr>
+              </a:lstStyle>
+              <a:p>
+                <a:pPr/>
+                <a14:m>
+                  <m:oMathPara xmlns:m="http://schemas.openxmlformats.org/officeDocument/2006/math">
+                    <m:oMathParaPr>
+                      <m:jc m:val="left"/>
+                    </m:oMathParaPr>
+                    <m:oMath xmlns:m="http://schemas.openxmlformats.org/officeDocument/2006/math">
+                      <m:r>
+                        <a:rPr lang="en-US" b="0" i="1" smtClean="0">
+                          <a:solidFill>
+                            <a:schemeClr val="tx1"/>
+                          </a:solidFill>
+                          <a:latin typeface="Cambria Math" panose="02040503050406030204" pitchFamily="18" charset="0"/>
+                        </a:rPr>
+                        <m:t>𝑞</m:t>
+                      </m:r>
+                    </m:oMath>
+                  </m:oMathPara>
+                </a14:m>
+                <a:endParaRPr lang="en-US" dirty="0">
+                  <a:solidFill>
+                    <a:schemeClr val="tx1"/>
+                  </a:solidFill>
+                </a:endParaRPr>
+              </a:p>
+            </p:txBody>
+          </p:sp>
+        </mc:Choice>
+        <mc:Fallback>
+          <p:sp>
+            <p:nvSpPr>
+              <p:cNvPr id="14" name="TextBox 13">
+                <a:extLst>
+                  <a:ext uri="{FF2B5EF4-FFF2-40B4-BE49-F238E27FC236}">
+                    <a16:creationId xmlns:a16="http://schemas.microsoft.com/office/drawing/2014/main" id="{4C30BDE9-E196-4356-B684-FB78388923A5}"/>
+                  </a:ext>
+                </a:extLst>
+              </p:cNvPr>
+              <p:cNvSpPr txBox="1">
+                <a:spLocks noRot="1" noChangeAspect="1" noMove="1" noResize="1" noEditPoints="1" noAdjustHandles="1" noChangeArrowheads="1" noChangeShapeType="1" noTextEdit="1"/>
+              </p:cNvSpPr>
+              <p:nvPr/>
+            </p:nvSpPr>
+            <p:spPr>
+              <a:xfrm>
+                <a:off x="5848321" y="469115"/>
+                <a:ext cx="1104958" cy="523220"/>
+              </a:xfrm>
+              <a:prstGeom prst="rect">
+                <a:avLst/>
+              </a:prstGeom>
+              <a:blipFill>
+                <a:blip r:embed="rId5"/>
+                <a:stretch>
+                  <a:fillRect/>
+                </a:stretch>
+              </a:blipFill>
+              <a:ln>
+                <a:noFill/>
+              </a:ln>
+            </p:spPr>
+            <p:txBody>
+              <a:bodyPr/>
+              <a:lstStyle/>
+              <a:p>
+                <a:r>
+                  <a:rPr lang="en-US">
+                    <a:noFill/>
+                  </a:rPr>
+                  <a:t> </a:t>
+                </a:r>
+              </a:p>
+            </p:txBody>
+          </p:sp>
+        </mc:Fallback>
+      </mc:AlternateContent>
     </p:spTree>
     <p:extLst>
       <p:ext uri="{BB962C8B-B14F-4D97-AF65-F5344CB8AC3E}">
